--- a/LAS2peer-Template-Project/doc/Presentation_template.pptx
+++ b/LAS2peer-Template-Project/doc/Presentation_template.pptx
@@ -7,11 +7,13 @@
     <p:sldMasterId id="2147483660" r:id="rId3"/>
   </p:sldMasterIdLst>
   <p:notesMasterIdLst>
-    <p:notesMasterId r:id="rId6"/>
+    <p:notesMasterId r:id="rId8"/>
   </p:notesMasterIdLst>
   <p:sldIdLst>
     <p:sldId id="256" r:id="rId4"/>
     <p:sldId id="258" r:id="rId5"/>
+    <p:sldId id="259" r:id="rId6"/>
+    <p:sldId id="260" r:id="rId7"/>
   </p:sldIdLst>
   <p:sldSz cx="9144000" cy="6858000" type="screen4x3"/>
   <p:notesSz cx="6858000" cy="9144000"/>
@@ -111,6 +113,2826 @@
     </a:lvl9pPr>
   </p:defaultTextStyle>
 </p:presentation>
+</file>
+
+<file path=ppt/diagrams/colors1.xml><?xml version="1.0" encoding="utf-8"?>
+<dgm:colorsDef xmlns:dgm="http://schemas.openxmlformats.org/drawingml/2006/diagram" xmlns:a="http://schemas.openxmlformats.org/drawingml/2006/main" uniqueId="urn:microsoft.com/office/officeart/2005/8/colors/accent1_2">
+  <dgm:title val=""/>
+  <dgm:desc val=""/>
+  <dgm:catLst>
+    <dgm:cat type="accent1" pri="11200"/>
+  </dgm:catLst>
+  <dgm:styleLbl name="node0">
+    <dgm:fillClrLst meth="repeat">
+      <a:schemeClr val="accent1"/>
+    </dgm:fillClrLst>
+    <dgm:linClrLst meth="repeat">
+      <a:schemeClr val="lt1"/>
+    </dgm:linClrLst>
+    <dgm:effectClrLst/>
+    <dgm:txLinClrLst/>
+    <dgm:txFillClrLst/>
+    <dgm:txEffectClrLst/>
+  </dgm:styleLbl>
+  <dgm:styleLbl name="alignNode1">
+    <dgm:fillClrLst meth="repeat">
+      <a:schemeClr val="accent1"/>
+    </dgm:fillClrLst>
+    <dgm:linClrLst meth="repeat">
+      <a:schemeClr val="accent1"/>
+    </dgm:linClrLst>
+    <dgm:effectClrLst/>
+    <dgm:txLinClrLst/>
+    <dgm:txFillClrLst/>
+    <dgm:txEffectClrLst/>
+  </dgm:styleLbl>
+  <dgm:styleLbl name="node1">
+    <dgm:fillClrLst meth="repeat">
+      <a:schemeClr val="accent1"/>
+    </dgm:fillClrLst>
+    <dgm:linClrLst meth="repeat">
+      <a:schemeClr val="lt1"/>
+    </dgm:linClrLst>
+    <dgm:effectClrLst/>
+    <dgm:txLinClrLst/>
+    <dgm:txFillClrLst/>
+    <dgm:txEffectClrLst/>
+  </dgm:styleLbl>
+  <dgm:styleLbl name="lnNode1">
+    <dgm:fillClrLst meth="repeat">
+      <a:schemeClr val="accent1"/>
+    </dgm:fillClrLst>
+    <dgm:linClrLst meth="repeat">
+      <a:schemeClr val="lt1"/>
+    </dgm:linClrLst>
+    <dgm:effectClrLst/>
+    <dgm:txLinClrLst/>
+    <dgm:txFillClrLst/>
+    <dgm:txEffectClrLst/>
+  </dgm:styleLbl>
+  <dgm:styleLbl name="vennNode1">
+    <dgm:fillClrLst meth="repeat">
+      <a:schemeClr val="accent1">
+        <a:alpha val="50000"/>
+      </a:schemeClr>
+    </dgm:fillClrLst>
+    <dgm:linClrLst meth="repeat">
+      <a:schemeClr val="lt1"/>
+    </dgm:linClrLst>
+    <dgm:effectClrLst/>
+    <dgm:txLinClrLst/>
+    <dgm:txFillClrLst/>
+    <dgm:txEffectClrLst/>
+  </dgm:styleLbl>
+  <dgm:styleLbl name="node2">
+    <dgm:fillClrLst meth="repeat">
+      <a:schemeClr val="accent1"/>
+    </dgm:fillClrLst>
+    <dgm:linClrLst meth="repeat">
+      <a:schemeClr val="lt1"/>
+    </dgm:linClrLst>
+    <dgm:effectClrLst/>
+    <dgm:txLinClrLst/>
+    <dgm:txFillClrLst/>
+    <dgm:txEffectClrLst/>
+  </dgm:styleLbl>
+  <dgm:styleLbl name="node3">
+    <dgm:fillClrLst meth="repeat">
+      <a:schemeClr val="accent1"/>
+    </dgm:fillClrLst>
+    <dgm:linClrLst meth="repeat">
+      <a:schemeClr val="lt1"/>
+    </dgm:linClrLst>
+    <dgm:effectClrLst/>
+    <dgm:txLinClrLst/>
+    <dgm:txFillClrLst/>
+    <dgm:txEffectClrLst/>
+  </dgm:styleLbl>
+  <dgm:styleLbl name="node4">
+    <dgm:fillClrLst meth="repeat">
+      <a:schemeClr val="accent1"/>
+    </dgm:fillClrLst>
+    <dgm:linClrLst meth="repeat">
+      <a:schemeClr val="lt1"/>
+    </dgm:linClrLst>
+    <dgm:effectClrLst/>
+    <dgm:txLinClrLst/>
+    <dgm:txFillClrLst/>
+    <dgm:txEffectClrLst/>
+  </dgm:styleLbl>
+  <dgm:styleLbl name="fgImgPlace1">
+    <dgm:fillClrLst meth="repeat">
+      <a:schemeClr val="accent1">
+        <a:tint val="50000"/>
+      </a:schemeClr>
+    </dgm:fillClrLst>
+    <dgm:linClrLst meth="repeat">
+      <a:schemeClr val="lt1"/>
+    </dgm:linClrLst>
+    <dgm:effectClrLst/>
+    <dgm:txLinClrLst/>
+    <dgm:txFillClrLst meth="repeat">
+      <a:schemeClr val="lt1"/>
+    </dgm:txFillClrLst>
+    <dgm:txEffectClrLst/>
+  </dgm:styleLbl>
+  <dgm:styleLbl name="alignImgPlace1">
+    <dgm:fillClrLst meth="repeat">
+      <a:schemeClr val="accent1">
+        <a:tint val="50000"/>
+      </a:schemeClr>
+    </dgm:fillClrLst>
+    <dgm:linClrLst meth="repeat">
+      <a:schemeClr val="lt1"/>
+    </dgm:linClrLst>
+    <dgm:effectClrLst/>
+    <dgm:txLinClrLst/>
+    <dgm:txFillClrLst meth="repeat">
+      <a:schemeClr val="lt1"/>
+    </dgm:txFillClrLst>
+    <dgm:txEffectClrLst/>
+  </dgm:styleLbl>
+  <dgm:styleLbl name="bgImgPlace1">
+    <dgm:fillClrLst meth="repeat">
+      <a:schemeClr val="accent1">
+        <a:tint val="50000"/>
+      </a:schemeClr>
+    </dgm:fillClrLst>
+    <dgm:linClrLst meth="repeat">
+      <a:schemeClr val="lt1"/>
+    </dgm:linClrLst>
+    <dgm:effectClrLst/>
+    <dgm:txLinClrLst/>
+    <dgm:txFillClrLst meth="repeat">
+      <a:schemeClr val="lt1"/>
+    </dgm:txFillClrLst>
+    <dgm:txEffectClrLst/>
+  </dgm:styleLbl>
+  <dgm:styleLbl name="sibTrans2D1">
+    <dgm:fillClrLst meth="repeat">
+      <a:schemeClr val="accent1">
+        <a:tint val="60000"/>
+      </a:schemeClr>
+    </dgm:fillClrLst>
+    <dgm:linClrLst meth="repeat">
+      <a:schemeClr val="accent1">
+        <a:tint val="60000"/>
+      </a:schemeClr>
+    </dgm:linClrLst>
+    <dgm:effectClrLst/>
+    <dgm:txLinClrLst/>
+    <dgm:txFillClrLst/>
+    <dgm:txEffectClrLst/>
+  </dgm:styleLbl>
+  <dgm:styleLbl name="fgSibTrans2D1">
+    <dgm:fillClrLst meth="repeat">
+      <a:schemeClr val="accent1">
+        <a:tint val="60000"/>
+      </a:schemeClr>
+    </dgm:fillClrLst>
+    <dgm:linClrLst meth="repeat">
+      <a:schemeClr val="accent1">
+        <a:tint val="60000"/>
+      </a:schemeClr>
+    </dgm:linClrLst>
+    <dgm:effectClrLst/>
+    <dgm:txLinClrLst/>
+    <dgm:txFillClrLst/>
+    <dgm:txEffectClrLst/>
+  </dgm:styleLbl>
+  <dgm:styleLbl name="bgSibTrans2D1">
+    <dgm:fillClrLst meth="repeat">
+      <a:schemeClr val="accent1">
+        <a:tint val="60000"/>
+      </a:schemeClr>
+    </dgm:fillClrLst>
+    <dgm:linClrLst meth="repeat">
+      <a:schemeClr val="accent1">
+        <a:tint val="60000"/>
+      </a:schemeClr>
+    </dgm:linClrLst>
+    <dgm:effectClrLst/>
+    <dgm:txLinClrLst/>
+    <dgm:txFillClrLst/>
+    <dgm:txEffectClrLst/>
+  </dgm:styleLbl>
+  <dgm:styleLbl name="sibTrans1D1">
+    <dgm:fillClrLst meth="repeat">
+      <a:schemeClr val="accent1"/>
+    </dgm:fillClrLst>
+    <dgm:linClrLst meth="repeat">
+      <a:schemeClr val="accent1"/>
+    </dgm:linClrLst>
+    <dgm:effectClrLst/>
+    <dgm:txLinClrLst/>
+    <dgm:txFillClrLst meth="repeat">
+      <a:schemeClr val="tx1"/>
+    </dgm:txFillClrLst>
+    <dgm:txEffectClrLst/>
+  </dgm:styleLbl>
+  <dgm:styleLbl name="callout">
+    <dgm:fillClrLst meth="repeat">
+      <a:schemeClr val="accent1"/>
+    </dgm:fillClrLst>
+    <dgm:linClrLst meth="repeat">
+      <a:schemeClr val="accent1">
+        <a:tint val="50000"/>
+      </a:schemeClr>
+    </dgm:linClrLst>
+    <dgm:effectClrLst/>
+    <dgm:txLinClrLst/>
+    <dgm:txFillClrLst meth="repeat">
+      <a:schemeClr val="tx1"/>
+    </dgm:txFillClrLst>
+    <dgm:txEffectClrLst/>
+  </dgm:styleLbl>
+  <dgm:styleLbl name="asst0">
+    <dgm:fillClrLst meth="repeat">
+      <a:schemeClr val="accent1"/>
+    </dgm:fillClrLst>
+    <dgm:linClrLst meth="repeat">
+      <a:schemeClr val="lt1"/>
+    </dgm:linClrLst>
+    <dgm:effectClrLst/>
+    <dgm:txLinClrLst/>
+    <dgm:txFillClrLst/>
+    <dgm:txEffectClrLst/>
+  </dgm:styleLbl>
+  <dgm:styleLbl name="asst1">
+    <dgm:fillClrLst meth="repeat">
+      <a:schemeClr val="accent1"/>
+    </dgm:fillClrLst>
+    <dgm:linClrLst meth="repeat">
+      <a:schemeClr val="lt1"/>
+    </dgm:linClrLst>
+    <dgm:effectClrLst/>
+    <dgm:txLinClrLst/>
+    <dgm:txFillClrLst/>
+    <dgm:txEffectClrLst/>
+  </dgm:styleLbl>
+  <dgm:styleLbl name="asst2">
+    <dgm:fillClrLst meth="repeat">
+      <a:schemeClr val="accent1"/>
+    </dgm:fillClrLst>
+    <dgm:linClrLst meth="repeat">
+      <a:schemeClr val="lt1"/>
+    </dgm:linClrLst>
+    <dgm:effectClrLst/>
+    <dgm:txLinClrLst/>
+    <dgm:txFillClrLst/>
+    <dgm:txEffectClrLst/>
+  </dgm:styleLbl>
+  <dgm:styleLbl name="asst3">
+    <dgm:fillClrLst meth="repeat">
+      <a:schemeClr val="accent1"/>
+    </dgm:fillClrLst>
+    <dgm:linClrLst meth="repeat">
+      <a:schemeClr val="lt1"/>
+    </dgm:linClrLst>
+    <dgm:effectClrLst/>
+    <dgm:txLinClrLst/>
+    <dgm:txFillClrLst/>
+    <dgm:txEffectClrLst/>
+  </dgm:styleLbl>
+  <dgm:styleLbl name="asst4">
+    <dgm:fillClrLst meth="repeat">
+      <a:schemeClr val="accent1"/>
+    </dgm:fillClrLst>
+    <dgm:linClrLst meth="repeat">
+      <a:schemeClr val="lt1"/>
+    </dgm:linClrLst>
+    <dgm:effectClrLst/>
+    <dgm:txLinClrLst/>
+    <dgm:txFillClrLst/>
+    <dgm:txEffectClrLst/>
+  </dgm:styleLbl>
+  <dgm:styleLbl name="parChTrans2D1">
+    <dgm:fillClrLst meth="repeat">
+      <a:schemeClr val="accent1">
+        <a:tint val="60000"/>
+      </a:schemeClr>
+    </dgm:fillClrLst>
+    <dgm:linClrLst meth="repeat">
+      <a:schemeClr val="accent1">
+        <a:tint val="60000"/>
+      </a:schemeClr>
+    </dgm:linClrLst>
+    <dgm:effectClrLst/>
+    <dgm:txLinClrLst/>
+    <dgm:txFillClrLst meth="repeat">
+      <a:schemeClr val="lt1"/>
+    </dgm:txFillClrLst>
+    <dgm:txEffectClrLst/>
+  </dgm:styleLbl>
+  <dgm:styleLbl name="parChTrans2D2">
+    <dgm:fillClrLst meth="repeat">
+      <a:schemeClr val="accent1"/>
+    </dgm:fillClrLst>
+    <dgm:linClrLst meth="repeat">
+      <a:schemeClr val="accent1"/>
+    </dgm:linClrLst>
+    <dgm:effectClrLst/>
+    <dgm:txLinClrLst/>
+    <dgm:txFillClrLst meth="repeat">
+      <a:schemeClr val="lt1"/>
+    </dgm:txFillClrLst>
+    <dgm:txEffectClrLst/>
+  </dgm:styleLbl>
+  <dgm:styleLbl name="parChTrans2D3">
+    <dgm:fillClrLst meth="repeat">
+      <a:schemeClr val="accent1"/>
+    </dgm:fillClrLst>
+    <dgm:linClrLst meth="repeat">
+      <a:schemeClr val="accent1"/>
+    </dgm:linClrLst>
+    <dgm:effectClrLst/>
+    <dgm:txLinClrLst/>
+    <dgm:txFillClrLst meth="repeat">
+      <a:schemeClr val="lt1"/>
+    </dgm:txFillClrLst>
+    <dgm:txEffectClrLst/>
+  </dgm:styleLbl>
+  <dgm:styleLbl name="parChTrans2D4">
+    <dgm:fillClrLst meth="repeat">
+      <a:schemeClr val="accent1"/>
+    </dgm:fillClrLst>
+    <dgm:linClrLst meth="repeat">
+      <a:schemeClr val="accent1"/>
+    </dgm:linClrLst>
+    <dgm:effectClrLst/>
+    <dgm:txLinClrLst/>
+    <dgm:txFillClrLst meth="repeat">
+      <a:schemeClr val="lt1"/>
+    </dgm:txFillClrLst>
+    <dgm:txEffectClrLst/>
+  </dgm:styleLbl>
+  <dgm:styleLbl name="parChTrans1D1">
+    <dgm:fillClrLst meth="repeat">
+      <a:schemeClr val="accent1"/>
+    </dgm:fillClrLst>
+    <dgm:linClrLst meth="repeat">
+      <a:schemeClr val="accent1">
+        <a:shade val="60000"/>
+      </a:schemeClr>
+    </dgm:linClrLst>
+    <dgm:effectClrLst/>
+    <dgm:txLinClrLst/>
+    <dgm:txFillClrLst meth="repeat">
+      <a:schemeClr val="tx1"/>
+    </dgm:txFillClrLst>
+    <dgm:txEffectClrLst/>
+  </dgm:styleLbl>
+  <dgm:styleLbl name="parChTrans1D2">
+    <dgm:fillClrLst meth="repeat">
+      <a:schemeClr val="accent1"/>
+    </dgm:fillClrLst>
+    <dgm:linClrLst meth="repeat">
+      <a:schemeClr val="accent1">
+        <a:shade val="60000"/>
+      </a:schemeClr>
+    </dgm:linClrLst>
+    <dgm:effectClrLst/>
+    <dgm:txLinClrLst/>
+    <dgm:txFillClrLst meth="repeat">
+      <a:schemeClr val="tx1"/>
+    </dgm:txFillClrLst>
+    <dgm:txEffectClrLst/>
+  </dgm:styleLbl>
+  <dgm:styleLbl name="parChTrans1D3">
+    <dgm:fillClrLst meth="repeat">
+      <a:schemeClr val="accent1"/>
+    </dgm:fillClrLst>
+    <dgm:linClrLst meth="repeat">
+      <a:schemeClr val="accent1">
+        <a:shade val="80000"/>
+      </a:schemeClr>
+    </dgm:linClrLst>
+    <dgm:effectClrLst/>
+    <dgm:txLinClrLst/>
+    <dgm:txFillClrLst meth="repeat">
+      <a:schemeClr val="tx1"/>
+    </dgm:txFillClrLst>
+    <dgm:txEffectClrLst/>
+  </dgm:styleLbl>
+  <dgm:styleLbl name="parChTrans1D4">
+    <dgm:fillClrLst meth="repeat">
+      <a:schemeClr val="accent1"/>
+    </dgm:fillClrLst>
+    <dgm:linClrLst meth="repeat">
+      <a:schemeClr val="accent1">
+        <a:shade val="80000"/>
+      </a:schemeClr>
+    </dgm:linClrLst>
+    <dgm:effectClrLst/>
+    <dgm:txLinClrLst/>
+    <dgm:txFillClrLst meth="repeat">
+      <a:schemeClr val="tx1"/>
+    </dgm:txFillClrLst>
+    <dgm:txEffectClrLst/>
+  </dgm:styleLbl>
+  <dgm:styleLbl name="fgAcc1">
+    <dgm:fillClrLst meth="repeat">
+      <a:schemeClr val="lt1">
+        <a:alpha val="90000"/>
+      </a:schemeClr>
+    </dgm:fillClrLst>
+    <dgm:linClrLst meth="repeat">
+      <a:schemeClr val="accent1"/>
+    </dgm:linClrLst>
+    <dgm:effectClrLst/>
+    <dgm:txLinClrLst/>
+    <dgm:txFillClrLst meth="repeat">
+      <a:schemeClr val="dk1"/>
+    </dgm:txFillClrLst>
+    <dgm:txEffectClrLst/>
+  </dgm:styleLbl>
+  <dgm:styleLbl name="conFgAcc1">
+    <dgm:fillClrLst meth="repeat">
+      <a:schemeClr val="lt1">
+        <a:alpha val="90000"/>
+      </a:schemeClr>
+    </dgm:fillClrLst>
+    <dgm:linClrLst meth="repeat">
+      <a:schemeClr val="accent1"/>
+    </dgm:linClrLst>
+    <dgm:effectClrLst/>
+    <dgm:txLinClrLst/>
+    <dgm:txFillClrLst meth="repeat">
+      <a:schemeClr val="dk1"/>
+    </dgm:txFillClrLst>
+    <dgm:txEffectClrLst/>
+  </dgm:styleLbl>
+  <dgm:styleLbl name="alignAcc1">
+    <dgm:fillClrLst meth="repeat">
+      <a:schemeClr val="lt1">
+        <a:alpha val="90000"/>
+      </a:schemeClr>
+    </dgm:fillClrLst>
+    <dgm:linClrLst meth="repeat">
+      <a:schemeClr val="accent1"/>
+    </dgm:linClrLst>
+    <dgm:effectClrLst/>
+    <dgm:txLinClrLst/>
+    <dgm:txFillClrLst meth="repeat">
+      <a:schemeClr val="dk1"/>
+    </dgm:txFillClrLst>
+    <dgm:txEffectClrLst/>
+  </dgm:styleLbl>
+  <dgm:styleLbl name="trAlignAcc1">
+    <dgm:fillClrLst meth="repeat">
+      <a:schemeClr val="lt1">
+        <a:alpha val="40000"/>
+      </a:schemeClr>
+    </dgm:fillClrLst>
+    <dgm:linClrLst meth="repeat">
+      <a:schemeClr val="accent1"/>
+    </dgm:linClrLst>
+    <dgm:effectClrLst/>
+    <dgm:txLinClrLst/>
+    <dgm:txFillClrLst meth="repeat">
+      <a:schemeClr val="dk1"/>
+    </dgm:txFillClrLst>
+    <dgm:txEffectClrLst/>
+  </dgm:styleLbl>
+  <dgm:styleLbl name="bgAcc1">
+    <dgm:fillClrLst meth="repeat">
+      <a:schemeClr val="lt1">
+        <a:alpha val="90000"/>
+      </a:schemeClr>
+    </dgm:fillClrLst>
+    <dgm:linClrLst meth="repeat">
+      <a:schemeClr val="accent1"/>
+    </dgm:linClrLst>
+    <dgm:effectClrLst/>
+    <dgm:txLinClrLst/>
+    <dgm:txFillClrLst meth="repeat">
+      <a:schemeClr val="dk1"/>
+    </dgm:txFillClrLst>
+    <dgm:txEffectClrLst/>
+  </dgm:styleLbl>
+  <dgm:styleLbl name="solidFgAcc1">
+    <dgm:fillClrLst meth="repeat">
+      <a:schemeClr val="lt1"/>
+    </dgm:fillClrLst>
+    <dgm:linClrLst meth="repeat">
+      <a:schemeClr val="accent1"/>
+    </dgm:linClrLst>
+    <dgm:effectClrLst/>
+    <dgm:txLinClrLst/>
+    <dgm:txFillClrLst meth="repeat">
+      <a:schemeClr val="dk1"/>
+    </dgm:txFillClrLst>
+    <dgm:txEffectClrLst/>
+  </dgm:styleLbl>
+  <dgm:styleLbl name="solidAlignAcc1">
+    <dgm:fillClrLst meth="repeat">
+      <a:schemeClr val="lt1"/>
+    </dgm:fillClrLst>
+    <dgm:linClrLst meth="repeat">
+      <a:schemeClr val="accent1"/>
+    </dgm:linClrLst>
+    <dgm:effectClrLst/>
+    <dgm:txLinClrLst/>
+    <dgm:txFillClrLst meth="repeat">
+      <a:schemeClr val="dk1"/>
+    </dgm:txFillClrLst>
+    <dgm:txEffectClrLst/>
+  </dgm:styleLbl>
+  <dgm:styleLbl name="solidBgAcc1">
+    <dgm:fillClrLst meth="repeat">
+      <a:schemeClr val="lt1"/>
+    </dgm:fillClrLst>
+    <dgm:linClrLst meth="repeat">
+      <a:schemeClr val="accent1"/>
+    </dgm:linClrLst>
+    <dgm:effectClrLst/>
+    <dgm:txLinClrLst/>
+    <dgm:txFillClrLst meth="repeat">
+      <a:schemeClr val="dk1"/>
+    </dgm:txFillClrLst>
+    <dgm:txEffectClrLst/>
+  </dgm:styleLbl>
+  <dgm:styleLbl name="fgAccFollowNode1">
+    <dgm:fillClrLst meth="repeat">
+      <a:schemeClr val="accent1">
+        <a:alpha val="90000"/>
+        <a:tint val="40000"/>
+      </a:schemeClr>
+    </dgm:fillClrLst>
+    <dgm:linClrLst meth="repeat">
+      <a:schemeClr val="accent1">
+        <a:alpha val="90000"/>
+        <a:tint val="40000"/>
+      </a:schemeClr>
+    </dgm:linClrLst>
+    <dgm:effectClrLst/>
+    <dgm:txLinClrLst/>
+    <dgm:txFillClrLst meth="repeat">
+      <a:schemeClr val="dk1"/>
+    </dgm:txFillClrLst>
+    <dgm:txEffectClrLst/>
+  </dgm:styleLbl>
+  <dgm:styleLbl name="alignAccFollowNode1">
+    <dgm:fillClrLst meth="repeat">
+      <a:schemeClr val="accent1">
+        <a:alpha val="90000"/>
+        <a:tint val="40000"/>
+      </a:schemeClr>
+    </dgm:fillClrLst>
+    <dgm:linClrLst meth="repeat">
+      <a:schemeClr val="accent1">
+        <a:alpha val="90000"/>
+        <a:tint val="40000"/>
+      </a:schemeClr>
+    </dgm:linClrLst>
+    <dgm:effectClrLst/>
+    <dgm:txLinClrLst/>
+    <dgm:txFillClrLst meth="repeat">
+      <a:schemeClr val="dk1"/>
+    </dgm:txFillClrLst>
+    <dgm:txEffectClrLst/>
+  </dgm:styleLbl>
+  <dgm:styleLbl name="bgAccFollowNode1">
+    <dgm:fillClrLst meth="repeat">
+      <a:schemeClr val="accent1">
+        <a:alpha val="90000"/>
+        <a:tint val="40000"/>
+      </a:schemeClr>
+    </dgm:fillClrLst>
+    <dgm:linClrLst meth="repeat">
+      <a:schemeClr val="accent1">
+        <a:alpha val="90000"/>
+        <a:tint val="40000"/>
+      </a:schemeClr>
+    </dgm:linClrLst>
+    <dgm:effectClrLst/>
+    <dgm:txLinClrLst/>
+    <dgm:txFillClrLst meth="repeat">
+      <a:schemeClr val="dk1"/>
+    </dgm:txFillClrLst>
+    <dgm:txEffectClrLst/>
+  </dgm:styleLbl>
+  <dgm:styleLbl name="fgAcc0">
+    <dgm:fillClrLst meth="repeat">
+      <a:schemeClr val="lt1">
+        <a:alpha val="90000"/>
+      </a:schemeClr>
+    </dgm:fillClrLst>
+    <dgm:linClrLst meth="repeat">
+      <a:schemeClr val="accent1"/>
+    </dgm:linClrLst>
+    <dgm:effectClrLst/>
+    <dgm:txLinClrLst/>
+    <dgm:txFillClrLst meth="repeat">
+      <a:schemeClr val="dk1"/>
+    </dgm:txFillClrLst>
+    <dgm:txEffectClrLst/>
+  </dgm:styleLbl>
+  <dgm:styleLbl name="fgAcc2">
+    <dgm:fillClrLst meth="repeat">
+      <a:schemeClr val="lt1">
+        <a:alpha val="90000"/>
+      </a:schemeClr>
+    </dgm:fillClrLst>
+    <dgm:linClrLst meth="repeat">
+      <a:schemeClr val="accent1"/>
+    </dgm:linClrLst>
+    <dgm:effectClrLst/>
+    <dgm:txLinClrLst/>
+    <dgm:txFillClrLst meth="repeat">
+      <a:schemeClr val="dk1"/>
+    </dgm:txFillClrLst>
+    <dgm:txEffectClrLst/>
+  </dgm:styleLbl>
+  <dgm:styleLbl name="fgAcc3">
+    <dgm:fillClrLst meth="repeat">
+      <a:schemeClr val="lt1">
+        <a:alpha val="90000"/>
+      </a:schemeClr>
+    </dgm:fillClrLst>
+    <dgm:linClrLst meth="repeat">
+      <a:schemeClr val="accent1"/>
+    </dgm:linClrLst>
+    <dgm:effectClrLst/>
+    <dgm:txLinClrLst/>
+    <dgm:txFillClrLst meth="repeat">
+      <a:schemeClr val="dk1"/>
+    </dgm:txFillClrLst>
+    <dgm:txEffectClrLst/>
+  </dgm:styleLbl>
+  <dgm:styleLbl name="fgAcc4">
+    <dgm:fillClrLst meth="repeat">
+      <a:schemeClr val="lt1">
+        <a:alpha val="90000"/>
+      </a:schemeClr>
+    </dgm:fillClrLst>
+    <dgm:linClrLst meth="repeat">
+      <a:schemeClr val="accent1"/>
+    </dgm:linClrLst>
+    <dgm:effectClrLst/>
+    <dgm:txLinClrLst/>
+    <dgm:txFillClrLst meth="repeat">
+      <a:schemeClr val="dk1"/>
+    </dgm:txFillClrLst>
+    <dgm:txEffectClrLst/>
+  </dgm:styleLbl>
+  <dgm:styleLbl name="bgShp">
+    <dgm:fillClrLst meth="repeat">
+      <a:schemeClr val="accent1">
+        <a:tint val="40000"/>
+      </a:schemeClr>
+    </dgm:fillClrLst>
+    <dgm:linClrLst meth="repeat">
+      <a:schemeClr val="accent1"/>
+    </dgm:linClrLst>
+    <dgm:effectClrLst/>
+    <dgm:txLinClrLst/>
+    <dgm:txFillClrLst meth="repeat">
+      <a:schemeClr val="dk1"/>
+    </dgm:txFillClrLst>
+    <dgm:txEffectClrLst/>
+  </dgm:styleLbl>
+  <dgm:styleLbl name="dkBgShp">
+    <dgm:fillClrLst meth="repeat">
+      <a:schemeClr val="accent1">
+        <a:shade val="80000"/>
+      </a:schemeClr>
+    </dgm:fillClrLst>
+    <dgm:linClrLst meth="repeat">
+      <a:schemeClr val="accent1"/>
+    </dgm:linClrLst>
+    <dgm:effectClrLst/>
+    <dgm:txLinClrLst/>
+    <dgm:txFillClrLst meth="repeat">
+      <a:schemeClr val="lt1"/>
+    </dgm:txFillClrLst>
+    <dgm:txEffectClrLst/>
+  </dgm:styleLbl>
+  <dgm:styleLbl name="trBgShp">
+    <dgm:fillClrLst meth="repeat">
+      <a:schemeClr val="accent1">
+        <a:tint val="50000"/>
+        <a:alpha val="40000"/>
+      </a:schemeClr>
+    </dgm:fillClrLst>
+    <dgm:linClrLst meth="repeat">
+      <a:schemeClr val="accent1"/>
+    </dgm:linClrLst>
+    <dgm:effectClrLst/>
+    <dgm:txLinClrLst/>
+    <dgm:txFillClrLst meth="repeat">
+      <a:schemeClr val="lt1"/>
+    </dgm:txFillClrLst>
+    <dgm:txEffectClrLst/>
+  </dgm:styleLbl>
+  <dgm:styleLbl name="fgShp">
+    <dgm:fillClrLst meth="repeat">
+      <a:schemeClr val="accent1">
+        <a:tint val="60000"/>
+      </a:schemeClr>
+    </dgm:fillClrLst>
+    <dgm:linClrLst meth="repeat">
+      <a:schemeClr val="lt1"/>
+    </dgm:linClrLst>
+    <dgm:effectClrLst/>
+    <dgm:txLinClrLst/>
+    <dgm:txFillClrLst meth="repeat">
+      <a:schemeClr val="dk1"/>
+    </dgm:txFillClrLst>
+    <dgm:txEffectClrLst/>
+  </dgm:styleLbl>
+  <dgm:styleLbl name="revTx">
+    <dgm:fillClrLst meth="repeat">
+      <a:schemeClr val="lt1">
+        <a:alpha val="0"/>
+      </a:schemeClr>
+    </dgm:fillClrLst>
+    <dgm:linClrLst meth="repeat">
+      <a:schemeClr val="dk1">
+        <a:alpha val="0"/>
+      </a:schemeClr>
+    </dgm:linClrLst>
+    <dgm:effectClrLst/>
+    <dgm:txLinClrLst/>
+    <dgm:txFillClrLst meth="repeat">
+      <a:schemeClr val="tx1"/>
+    </dgm:txFillClrLst>
+    <dgm:txEffectClrLst/>
+  </dgm:styleLbl>
+</dgm:colorsDef>
+</file>
+
+<file path=ppt/diagrams/data1.xml><?xml version="1.0" encoding="utf-8"?>
+<dgm:dataModel xmlns:dgm="http://schemas.openxmlformats.org/drawingml/2006/diagram" xmlns:a="http://schemas.openxmlformats.org/drawingml/2006/main">
+  <dgm:ptLst>
+    <dgm:pt modelId="{93BC5730-6C87-42E5-9B15-63A36BE9F294}" type="doc">
+      <dgm:prSet loTypeId="urn:microsoft.com/office/officeart/2005/8/layout/vList3#1" loCatId="list" qsTypeId="urn:microsoft.com/office/officeart/2005/8/quickstyle/simple1" qsCatId="simple" csTypeId="urn:microsoft.com/office/officeart/2005/8/colors/accent1_2" csCatId="accent1" phldr="1"/>
+      <dgm:spPr/>
+    </dgm:pt>
+    <dgm:pt modelId="{1F8F085B-6F7C-434E-AE1A-CCAD0F7C95B8}">
+      <dgm:prSet phldrT="[Text]" custT="1"/>
+      <dgm:spPr/>
+      <dgm:t>
+        <a:bodyPr/>
+        <a:lstStyle/>
+        <a:p>
+          <a:pPr algn="l"/>
+          <a:r>
+            <a:rPr lang="en-US" sz="1600" b="1" dirty="0" smtClean="0"/>
+            <a:t>Developing the function of sending messages to groups </a:t>
+          </a:r>
+          <a:endParaRPr lang="en-US" sz="1600" b="1" dirty="0"/>
+        </a:p>
+      </dgm:t>
+    </dgm:pt>
+    <dgm:pt modelId="{06461A0A-4FDA-4BAD-AFE2-D3674BA9AC58}" type="parTrans" cxnId="{FEE713BB-E5CD-4416-8D48-AEF323D3F276}">
+      <dgm:prSet/>
+      <dgm:spPr/>
+      <dgm:t>
+        <a:bodyPr/>
+        <a:lstStyle/>
+        <a:p>
+          <a:endParaRPr lang="en-US"/>
+        </a:p>
+      </dgm:t>
+    </dgm:pt>
+    <dgm:pt modelId="{96CC8415-BE12-4A80-92BB-83F72D964E72}" type="sibTrans" cxnId="{FEE713BB-E5CD-4416-8D48-AEF323D3F276}">
+      <dgm:prSet/>
+      <dgm:spPr/>
+      <dgm:t>
+        <a:bodyPr/>
+        <a:lstStyle/>
+        <a:p>
+          <a:endParaRPr lang="en-US"/>
+        </a:p>
+      </dgm:t>
+    </dgm:pt>
+    <dgm:pt modelId="{3AF9A87F-E474-4362-8806-2E4639EDB7B2}">
+      <dgm:prSet phldrT="[Text]" custT="1"/>
+      <dgm:spPr/>
+      <dgm:t>
+        <a:bodyPr/>
+        <a:lstStyle/>
+        <a:p>
+          <a:pPr algn="l"/>
+          <a:r>
+            <a:rPr lang="en-US" sz="1600" b="1" dirty="0" smtClean="0">
+              <a:solidFill>
+                <a:schemeClr val="bg1"/>
+              </a:solidFill>
+            </a:rPr>
+            <a:t>Developing further functions like search for history with key words, integration of icons in the messages</a:t>
+          </a:r>
+          <a:endParaRPr lang="en-US" sz="1600" b="1" dirty="0">
+            <a:solidFill>
+              <a:schemeClr val="bg1"/>
+            </a:solidFill>
+          </a:endParaRPr>
+        </a:p>
+      </dgm:t>
+    </dgm:pt>
+    <dgm:pt modelId="{BA5854C1-8046-48F0-B1EB-63BF24394966}" type="sibTrans" cxnId="{BD8B4B76-02A7-441B-9513-52737ED4C282}">
+      <dgm:prSet/>
+      <dgm:spPr/>
+      <dgm:t>
+        <a:bodyPr/>
+        <a:lstStyle/>
+        <a:p>
+          <a:endParaRPr lang="en-US"/>
+        </a:p>
+      </dgm:t>
+    </dgm:pt>
+    <dgm:pt modelId="{4035D348-3A7B-4537-B0B3-E3DDE4B3845C}" type="parTrans" cxnId="{BD8B4B76-02A7-441B-9513-52737ED4C282}">
+      <dgm:prSet/>
+      <dgm:spPr/>
+      <dgm:t>
+        <a:bodyPr/>
+        <a:lstStyle/>
+        <a:p>
+          <a:endParaRPr lang="en-US"/>
+        </a:p>
+      </dgm:t>
+    </dgm:pt>
+    <dgm:pt modelId="{C96D5131-E2DA-4734-A3EA-66C2FD387F84}">
+      <dgm:prSet phldrT="[Text]" custT="1"/>
+      <dgm:spPr/>
+      <dgm:t>
+        <a:bodyPr/>
+        <a:lstStyle/>
+        <a:p>
+          <a:pPr algn="l"/>
+          <a:r>
+            <a:rPr lang="en-US" sz="1600" b="1" dirty="0" smtClean="0">
+              <a:solidFill>
+                <a:schemeClr val="bg1"/>
+              </a:solidFill>
+            </a:rPr>
+            <a:t> Developing an app for mobile devices</a:t>
+          </a:r>
+          <a:endParaRPr lang="en-US" sz="1600" b="1" dirty="0">
+            <a:solidFill>
+              <a:schemeClr val="bg1"/>
+            </a:solidFill>
+          </a:endParaRPr>
+        </a:p>
+      </dgm:t>
+    </dgm:pt>
+    <dgm:pt modelId="{33B9C29D-0E22-494D-8DDF-EABA4CC7B7BF}" type="parTrans" cxnId="{11AF4E58-772A-4688-AD21-AD4AD35AFFC8}">
+      <dgm:prSet/>
+      <dgm:spPr/>
+      <dgm:t>
+        <a:bodyPr/>
+        <a:lstStyle/>
+        <a:p>
+          <a:endParaRPr lang="en-US"/>
+        </a:p>
+      </dgm:t>
+    </dgm:pt>
+    <dgm:pt modelId="{AABCFBFE-F777-4384-BD2D-D0451C73810D}" type="sibTrans" cxnId="{11AF4E58-772A-4688-AD21-AD4AD35AFFC8}">
+      <dgm:prSet/>
+      <dgm:spPr/>
+      <dgm:t>
+        <a:bodyPr/>
+        <a:lstStyle/>
+        <a:p>
+          <a:endParaRPr lang="en-US"/>
+        </a:p>
+      </dgm:t>
+    </dgm:pt>
+    <dgm:pt modelId="{04A31C94-B9FF-4656-A8B1-D1430B2BD588}">
+      <dgm:prSet phldrT="[Text]" custT="1"/>
+      <dgm:spPr/>
+      <dgm:t>
+        <a:bodyPr/>
+        <a:lstStyle/>
+        <a:p>
+          <a:pPr algn="l"/>
+          <a:r>
+            <a:rPr lang="en-US" sz="1600" b="1" dirty="0" smtClean="0">
+              <a:solidFill>
+                <a:schemeClr val="bg1"/>
+              </a:solidFill>
+            </a:rPr>
+            <a:t>Developing user-friendly web service interface</a:t>
+          </a:r>
+          <a:endParaRPr lang="en-US" sz="1600" b="1" dirty="0">
+            <a:solidFill>
+              <a:schemeClr val="bg1"/>
+            </a:solidFill>
+          </a:endParaRPr>
+        </a:p>
+      </dgm:t>
+    </dgm:pt>
+    <dgm:pt modelId="{E9E58DDC-AE96-4EE9-86F2-A81B7BAA9AA5}" type="parTrans" cxnId="{3836ABF4-F7ED-4DFA-9412-E1F378553E3A}">
+      <dgm:prSet/>
+      <dgm:spPr/>
+      <dgm:t>
+        <a:bodyPr/>
+        <a:lstStyle/>
+        <a:p>
+          <a:endParaRPr lang="en-US"/>
+        </a:p>
+      </dgm:t>
+    </dgm:pt>
+    <dgm:pt modelId="{D5ED3A7B-2430-4C04-89D0-1F499BC8DC86}" type="sibTrans" cxnId="{3836ABF4-F7ED-4DFA-9412-E1F378553E3A}">
+      <dgm:prSet/>
+      <dgm:spPr/>
+      <dgm:t>
+        <a:bodyPr/>
+        <a:lstStyle/>
+        <a:p>
+          <a:endParaRPr lang="en-US"/>
+        </a:p>
+      </dgm:t>
+    </dgm:pt>
+    <dgm:pt modelId="{245DC3EE-0EDA-4662-88A8-031A77D2214F}" type="pres">
+      <dgm:prSet presAssocID="{93BC5730-6C87-42E5-9B15-63A36BE9F294}" presName="linearFlow" presStyleCnt="0">
+        <dgm:presLayoutVars>
+          <dgm:dir/>
+          <dgm:resizeHandles val="exact"/>
+        </dgm:presLayoutVars>
+      </dgm:prSet>
+      <dgm:spPr/>
+    </dgm:pt>
+    <dgm:pt modelId="{20875C13-36C7-4E67-90F9-E7F4D533B23D}" type="pres">
+      <dgm:prSet presAssocID="{1F8F085B-6F7C-434E-AE1A-CCAD0F7C95B8}" presName="composite" presStyleCnt="0"/>
+      <dgm:spPr/>
+    </dgm:pt>
+    <dgm:pt modelId="{B4B9E57B-5632-42F0-9228-78B51E82E92B}" type="pres">
+      <dgm:prSet presAssocID="{1F8F085B-6F7C-434E-AE1A-CCAD0F7C95B8}" presName="imgShp" presStyleLbl="fgImgPlace1" presStyleIdx="0" presStyleCnt="4"/>
+      <dgm:spPr/>
+    </dgm:pt>
+    <dgm:pt modelId="{C73351F4-9A39-4E0A-88F9-160850AE8994}" type="pres">
+      <dgm:prSet presAssocID="{1F8F085B-6F7C-434E-AE1A-CCAD0F7C95B8}" presName="txShp" presStyleLbl="node1" presStyleIdx="0" presStyleCnt="4">
+        <dgm:presLayoutVars>
+          <dgm:bulletEnabled val="1"/>
+        </dgm:presLayoutVars>
+      </dgm:prSet>
+      <dgm:spPr/>
+      <dgm:t>
+        <a:bodyPr/>
+        <a:lstStyle/>
+        <a:p>
+          <a:endParaRPr lang="en-US"/>
+        </a:p>
+      </dgm:t>
+    </dgm:pt>
+    <dgm:pt modelId="{73244EFA-66BF-41B4-AB25-B357857F1B01}" type="pres">
+      <dgm:prSet presAssocID="{96CC8415-BE12-4A80-92BB-83F72D964E72}" presName="spacing" presStyleCnt="0"/>
+      <dgm:spPr/>
+    </dgm:pt>
+    <dgm:pt modelId="{8B3D1435-1C8F-405B-822F-93E460A15D25}" type="pres">
+      <dgm:prSet presAssocID="{3AF9A87F-E474-4362-8806-2E4639EDB7B2}" presName="composite" presStyleCnt="0"/>
+      <dgm:spPr/>
+    </dgm:pt>
+    <dgm:pt modelId="{F020364F-78FB-4F71-80DC-6ADA13B9BE66}" type="pres">
+      <dgm:prSet presAssocID="{3AF9A87F-E474-4362-8806-2E4639EDB7B2}" presName="imgShp" presStyleLbl="fgImgPlace1" presStyleIdx="1" presStyleCnt="4"/>
+      <dgm:spPr/>
+      <dgm:t>
+        <a:bodyPr/>
+        <a:lstStyle/>
+        <a:p>
+          <a:endParaRPr lang="en-US"/>
+        </a:p>
+      </dgm:t>
+    </dgm:pt>
+    <dgm:pt modelId="{BCD1A3FD-0107-40EA-BF80-3157FB065307}" type="pres">
+      <dgm:prSet presAssocID="{3AF9A87F-E474-4362-8806-2E4639EDB7B2}" presName="txShp" presStyleLbl="node1" presStyleIdx="1" presStyleCnt="4">
+        <dgm:presLayoutVars>
+          <dgm:bulletEnabled val="1"/>
+        </dgm:presLayoutVars>
+      </dgm:prSet>
+      <dgm:spPr/>
+      <dgm:t>
+        <a:bodyPr/>
+        <a:lstStyle/>
+        <a:p>
+          <a:endParaRPr lang="en-US"/>
+        </a:p>
+      </dgm:t>
+    </dgm:pt>
+    <dgm:pt modelId="{E3FB4CC5-8D45-4F4D-9A28-6C2F4110757D}" type="pres">
+      <dgm:prSet presAssocID="{BA5854C1-8046-48F0-B1EB-63BF24394966}" presName="spacing" presStyleCnt="0"/>
+      <dgm:spPr/>
+    </dgm:pt>
+    <dgm:pt modelId="{5BEEFC92-E246-47F8-97E2-F83B6A9817E5}" type="pres">
+      <dgm:prSet presAssocID="{04A31C94-B9FF-4656-A8B1-D1430B2BD588}" presName="composite" presStyleCnt="0"/>
+      <dgm:spPr/>
+    </dgm:pt>
+    <dgm:pt modelId="{5377AC10-6536-4E5B-8F97-2D7CDA76434B}" type="pres">
+      <dgm:prSet presAssocID="{04A31C94-B9FF-4656-A8B1-D1430B2BD588}" presName="imgShp" presStyleLbl="fgImgPlace1" presStyleIdx="2" presStyleCnt="4"/>
+      <dgm:spPr/>
+    </dgm:pt>
+    <dgm:pt modelId="{697FDEFE-AC7A-4F28-8B70-4814D2AB1FC9}" type="pres">
+      <dgm:prSet presAssocID="{04A31C94-B9FF-4656-A8B1-D1430B2BD588}" presName="txShp" presStyleLbl="node1" presStyleIdx="2" presStyleCnt="4">
+        <dgm:presLayoutVars>
+          <dgm:bulletEnabled val="1"/>
+        </dgm:presLayoutVars>
+      </dgm:prSet>
+      <dgm:spPr/>
+      <dgm:t>
+        <a:bodyPr/>
+        <a:lstStyle/>
+        <a:p>
+          <a:endParaRPr lang="en-US"/>
+        </a:p>
+      </dgm:t>
+    </dgm:pt>
+    <dgm:pt modelId="{5B75EC75-6609-4D88-A8AF-896A9BC3BC8F}" type="pres">
+      <dgm:prSet presAssocID="{D5ED3A7B-2430-4C04-89D0-1F499BC8DC86}" presName="spacing" presStyleCnt="0"/>
+      <dgm:spPr/>
+    </dgm:pt>
+    <dgm:pt modelId="{84559B6E-DF87-463B-BF13-AE05D9DA5F50}" type="pres">
+      <dgm:prSet presAssocID="{C96D5131-E2DA-4734-A3EA-66C2FD387F84}" presName="composite" presStyleCnt="0"/>
+      <dgm:spPr/>
+    </dgm:pt>
+    <dgm:pt modelId="{C9A57396-8EE7-4A32-A34C-0CC6C43CD0EA}" type="pres">
+      <dgm:prSet presAssocID="{C96D5131-E2DA-4734-A3EA-66C2FD387F84}" presName="imgShp" presStyleLbl="fgImgPlace1" presStyleIdx="3" presStyleCnt="4"/>
+      <dgm:spPr/>
+    </dgm:pt>
+    <dgm:pt modelId="{D3F9B872-6155-4A33-854F-F30F4516DB45}" type="pres">
+      <dgm:prSet presAssocID="{C96D5131-E2DA-4734-A3EA-66C2FD387F84}" presName="txShp" presStyleLbl="node1" presStyleIdx="3" presStyleCnt="4" custLinFactNeighborX="-1501" custLinFactNeighborY="-3634">
+        <dgm:presLayoutVars>
+          <dgm:bulletEnabled val="1"/>
+        </dgm:presLayoutVars>
+      </dgm:prSet>
+      <dgm:spPr/>
+      <dgm:t>
+        <a:bodyPr/>
+        <a:lstStyle/>
+        <a:p>
+          <a:endParaRPr lang="en-US"/>
+        </a:p>
+      </dgm:t>
+    </dgm:pt>
+  </dgm:ptLst>
+  <dgm:cxnLst>
+    <dgm:cxn modelId="{3836ABF4-F7ED-4DFA-9412-E1F378553E3A}" srcId="{93BC5730-6C87-42E5-9B15-63A36BE9F294}" destId="{04A31C94-B9FF-4656-A8B1-D1430B2BD588}" srcOrd="2" destOrd="0" parTransId="{E9E58DDC-AE96-4EE9-86F2-A81B7BAA9AA5}" sibTransId="{D5ED3A7B-2430-4C04-89D0-1F499BC8DC86}"/>
+    <dgm:cxn modelId="{11AF4E58-772A-4688-AD21-AD4AD35AFFC8}" srcId="{93BC5730-6C87-42E5-9B15-63A36BE9F294}" destId="{C96D5131-E2DA-4734-A3EA-66C2FD387F84}" srcOrd="3" destOrd="0" parTransId="{33B9C29D-0E22-494D-8DDF-EABA4CC7B7BF}" sibTransId="{AABCFBFE-F777-4384-BD2D-D0451C73810D}"/>
+    <dgm:cxn modelId="{F6E8C013-74DA-412E-8B6C-0C63441236C1}" type="presOf" srcId="{C96D5131-E2DA-4734-A3EA-66C2FD387F84}" destId="{D3F9B872-6155-4A33-854F-F30F4516DB45}" srcOrd="0" destOrd="0" presId="urn:microsoft.com/office/officeart/2005/8/layout/vList3#1"/>
+    <dgm:cxn modelId="{BD8B4B76-02A7-441B-9513-52737ED4C282}" srcId="{93BC5730-6C87-42E5-9B15-63A36BE9F294}" destId="{3AF9A87F-E474-4362-8806-2E4639EDB7B2}" srcOrd="1" destOrd="0" parTransId="{4035D348-3A7B-4537-B0B3-E3DDE4B3845C}" sibTransId="{BA5854C1-8046-48F0-B1EB-63BF24394966}"/>
+    <dgm:cxn modelId="{E50BB269-4EA4-4A82-B2F2-62F2E3425FDD}" type="presOf" srcId="{04A31C94-B9FF-4656-A8B1-D1430B2BD588}" destId="{697FDEFE-AC7A-4F28-8B70-4814D2AB1FC9}" srcOrd="0" destOrd="0" presId="urn:microsoft.com/office/officeart/2005/8/layout/vList3#1"/>
+    <dgm:cxn modelId="{8B02D23B-80FD-497A-A0C8-C1D2EBFA5D08}" type="presOf" srcId="{93BC5730-6C87-42E5-9B15-63A36BE9F294}" destId="{245DC3EE-0EDA-4662-88A8-031A77D2214F}" srcOrd="0" destOrd="0" presId="urn:microsoft.com/office/officeart/2005/8/layout/vList3#1"/>
+    <dgm:cxn modelId="{FEE713BB-E5CD-4416-8D48-AEF323D3F276}" srcId="{93BC5730-6C87-42E5-9B15-63A36BE9F294}" destId="{1F8F085B-6F7C-434E-AE1A-CCAD0F7C95B8}" srcOrd="0" destOrd="0" parTransId="{06461A0A-4FDA-4BAD-AFE2-D3674BA9AC58}" sibTransId="{96CC8415-BE12-4A80-92BB-83F72D964E72}"/>
+    <dgm:cxn modelId="{F011C131-1CEE-40B6-AC0B-6A76E415B5EB}" type="presOf" srcId="{1F8F085B-6F7C-434E-AE1A-CCAD0F7C95B8}" destId="{C73351F4-9A39-4E0A-88F9-160850AE8994}" srcOrd="0" destOrd="0" presId="urn:microsoft.com/office/officeart/2005/8/layout/vList3#1"/>
+    <dgm:cxn modelId="{8937D0AB-3F9F-4B51-AAEF-DE34A193E326}" type="presOf" srcId="{3AF9A87F-E474-4362-8806-2E4639EDB7B2}" destId="{BCD1A3FD-0107-40EA-BF80-3157FB065307}" srcOrd="0" destOrd="0" presId="urn:microsoft.com/office/officeart/2005/8/layout/vList3#1"/>
+    <dgm:cxn modelId="{1DFBC442-1203-44AA-A9DA-8363707D1AA1}" type="presParOf" srcId="{245DC3EE-0EDA-4662-88A8-031A77D2214F}" destId="{20875C13-36C7-4E67-90F9-E7F4D533B23D}" srcOrd="0" destOrd="0" presId="urn:microsoft.com/office/officeart/2005/8/layout/vList3#1"/>
+    <dgm:cxn modelId="{09AD6A90-102F-47E7-975E-C497DDF499C0}" type="presParOf" srcId="{20875C13-36C7-4E67-90F9-E7F4D533B23D}" destId="{B4B9E57B-5632-42F0-9228-78B51E82E92B}" srcOrd="0" destOrd="0" presId="urn:microsoft.com/office/officeart/2005/8/layout/vList3#1"/>
+    <dgm:cxn modelId="{2506CA2E-55D5-4FA4-B6A6-8EB69FB0DD6F}" type="presParOf" srcId="{20875C13-36C7-4E67-90F9-E7F4D533B23D}" destId="{C73351F4-9A39-4E0A-88F9-160850AE8994}" srcOrd="1" destOrd="0" presId="urn:microsoft.com/office/officeart/2005/8/layout/vList3#1"/>
+    <dgm:cxn modelId="{2146ED4B-C01F-4BC5-B4AD-6AF4DCF9A713}" type="presParOf" srcId="{245DC3EE-0EDA-4662-88A8-031A77D2214F}" destId="{73244EFA-66BF-41B4-AB25-B357857F1B01}" srcOrd="1" destOrd="0" presId="urn:microsoft.com/office/officeart/2005/8/layout/vList3#1"/>
+    <dgm:cxn modelId="{1ADA2041-0B58-406E-9171-68C537E47F94}" type="presParOf" srcId="{245DC3EE-0EDA-4662-88A8-031A77D2214F}" destId="{8B3D1435-1C8F-405B-822F-93E460A15D25}" srcOrd="2" destOrd="0" presId="urn:microsoft.com/office/officeart/2005/8/layout/vList3#1"/>
+    <dgm:cxn modelId="{E0E4450F-6EBD-47B6-921B-96C1F2A14424}" type="presParOf" srcId="{8B3D1435-1C8F-405B-822F-93E460A15D25}" destId="{F020364F-78FB-4F71-80DC-6ADA13B9BE66}" srcOrd="0" destOrd="0" presId="urn:microsoft.com/office/officeart/2005/8/layout/vList3#1"/>
+    <dgm:cxn modelId="{4A7FE0A0-551F-4465-A6DA-4414465C1EDC}" type="presParOf" srcId="{8B3D1435-1C8F-405B-822F-93E460A15D25}" destId="{BCD1A3FD-0107-40EA-BF80-3157FB065307}" srcOrd="1" destOrd="0" presId="urn:microsoft.com/office/officeart/2005/8/layout/vList3#1"/>
+    <dgm:cxn modelId="{C0F0979E-4954-41CE-8C31-5215F1DF779B}" type="presParOf" srcId="{245DC3EE-0EDA-4662-88A8-031A77D2214F}" destId="{E3FB4CC5-8D45-4F4D-9A28-6C2F4110757D}" srcOrd="3" destOrd="0" presId="urn:microsoft.com/office/officeart/2005/8/layout/vList3#1"/>
+    <dgm:cxn modelId="{87F47CBE-D6C4-4B1A-A149-F217F5D47310}" type="presParOf" srcId="{245DC3EE-0EDA-4662-88A8-031A77D2214F}" destId="{5BEEFC92-E246-47F8-97E2-F83B6A9817E5}" srcOrd="4" destOrd="0" presId="urn:microsoft.com/office/officeart/2005/8/layout/vList3#1"/>
+    <dgm:cxn modelId="{FB03B411-D560-43A7-B9B9-FE3F8DB7489A}" type="presParOf" srcId="{5BEEFC92-E246-47F8-97E2-F83B6A9817E5}" destId="{5377AC10-6536-4E5B-8F97-2D7CDA76434B}" srcOrd="0" destOrd="0" presId="urn:microsoft.com/office/officeart/2005/8/layout/vList3#1"/>
+    <dgm:cxn modelId="{E405C33F-26D9-44FD-B144-ACC168C41904}" type="presParOf" srcId="{5BEEFC92-E246-47F8-97E2-F83B6A9817E5}" destId="{697FDEFE-AC7A-4F28-8B70-4814D2AB1FC9}" srcOrd="1" destOrd="0" presId="urn:microsoft.com/office/officeart/2005/8/layout/vList3#1"/>
+    <dgm:cxn modelId="{BBD7DB7E-D906-4A3B-8E99-03F977EC50C9}" type="presParOf" srcId="{245DC3EE-0EDA-4662-88A8-031A77D2214F}" destId="{5B75EC75-6609-4D88-A8AF-896A9BC3BC8F}" srcOrd="5" destOrd="0" presId="urn:microsoft.com/office/officeart/2005/8/layout/vList3#1"/>
+    <dgm:cxn modelId="{730AE753-0B90-477D-B0B1-D86D6A222918}" type="presParOf" srcId="{245DC3EE-0EDA-4662-88A8-031A77D2214F}" destId="{84559B6E-DF87-463B-BF13-AE05D9DA5F50}" srcOrd="6" destOrd="0" presId="urn:microsoft.com/office/officeart/2005/8/layout/vList3#1"/>
+    <dgm:cxn modelId="{4AB6AA9E-A241-4C8B-B0BE-D3F9EAA20305}" type="presParOf" srcId="{84559B6E-DF87-463B-BF13-AE05D9DA5F50}" destId="{C9A57396-8EE7-4A32-A34C-0CC6C43CD0EA}" srcOrd="0" destOrd="0" presId="urn:microsoft.com/office/officeart/2005/8/layout/vList3#1"/>
+    <dgm:cxn modelId="{9F483F32-F2EA-461C-96D8-A15C1A2ADC7F}" type="presParOf" srcId="{84559B6E-DF87-463B-BF13-AE05D9DA5F50}" destId="{D3F9B872-6155-4A33-854F-F30F4516DB45}" srcOrd="1" destOrd="0" presId="urn:microsoft.com/office/officeart/2005/8/layout/vList3#1"/>
+  </dgm:cxnLst>
+  <dgm:bg/>
+  <dgm:whole/>
+  <dgm:extLst>
+    <a:ext uri="http://schemas.microsoft.com/office/drawing/2008/diagram">
+      <dsp:dataModelExt xmlns:dsp="http://schemas.microsoft.com/office/drawing/2008/diagram" relId="rId6" minVer="http://schemas.openxmlformats.org/drawingml/2006/diagram"/>
+    </a:ext>
+  </dgm:extLst>
+</dgm:dataModel>
+</file>
+
+<file path=ppt/diagrams/drawing1.xml><?xml version="1.0" encoding="utf-8"?>
+<dsp:drawing xmlns:dgm="http://schemas.openxmlformats.org/drawingml/2006/diagram" xmlns:dsp="http://schemas.microsoft.com/office/drawing/2008/diagram" xmlns:a="http://schemas.openxmlformats.org/drawingml/2006/main">
+  <dsp:spTree>
+    <dsp:nvGrpSpPr>
+      <dsp:cNvPr id="0" name=""/>
+      <dsp:cNvGrpSpPr/>
+    </dsp:nvGrpSpPr>
+    <dsp:grpSpPr/>
+    <dsp:sp modelId="{C73351F4-9A39-4E0A-88F9-160850AE8994}">
+      <dsp:nvSpPr>
+        <dsp:cNvPr id="0" name=""/>
+        <dsp:cNvSpPr/>
+      </dsp:nvSpPr>
+      <dsp:spPr>
+        <a:xfrm rot="10800000">
+          <a:off x="1443606" y="1443"/>
+          <a:ext cx="5027958" cy="708662"/>
+        </a:xfrm>
+        <a:prstGeom prst="homePlate">
+          <a:avLst/>
+        </a:prstGeom>
+        <a:solidFill>
+          <a:schemeClr val="accent1">
+            <a:hueOff val="0"/>
+            <a:satOff val="0"/>
+            <a:lumOff val="0"/>
+            <a:alphaOff val="0"/>
+          </a:schemeClr>
+        </a:solidFill>
+        <a:ln w="25400" cap="flat" cmpd="sng" algn="ctr">
+          <a:solidFill>
+            <a:schemeClr val="lt1">
+              <a:hueOff val="0"/>
+              <a:satOff val="0"/>
+              <a:lumOff val="0"/>
+              <a:alphaOff val="0"/>
+            </a:schemeClr>
+          </a:solidFill>
+          <a:prstDash val="solid"/>
+        </a:ln>
+        <a:effectLst/>
+      </dsp:spPr>
+      <dsp:style>
+        <a:lnRef idx="2">
+          <a:scrgbClr r="0" g="0" b="0"/>
+        </a:lnRef>
+        <a:fillRef idx="1">
+          <a:scrgbClr r="0" g="0" b="0"/>
+        </a:fillRef>
+        <a:effectRef idx="0">
+          <a:scrgbClr r="0" g="0" b="0"/>
+        </a:effectRef>
+        <a:fontRef idx="minor">
+          <a:schemeClr val="lt1"/>
+        </a:fontRef>
+      </dsp:style>
+      <dsp:txBody>
+        <a:bodyPr spcFirstLastPara="0" vert="horz" wrap="square" lIns="312501" tIns="60960" rIns="113792" bIns="60960" numCol="1" spcCol="1270" anchor="ctr" anchorCtr="0">
+          <a:noAutofit/>
+        </a:bodyPr>
+        <a:lstStyle/>
+        <a:p>
+          <a:pPr lvl="0" algn="l" defTabSz="711200">
+            <a:lnSpc>
+              <a:spcPct val="90000"/>
+            </a:lnSpc>
+            <a:spcBef>
+              <a:spcPct val="0"/>
+            </a:spcBef>
+            <a:spcAft>
+              <a:spcPct val="35000"/>
+            </a:spcAft>
+          </a:pPr>
+          <a:r>
+            <a:rPr lang="en-US" sz="1600" b="1" kern="1200" dirty="0" smtClean="0"/>
+            <a:t>Developing the function of sending messages to groups </a:t>
+          </a:r>
+          <a:endParaRPr lang="en-US" sz="1600" b="1" kern="1200" dirty="0"/>
+        </a:p>
+      </dsp:txBody>
+      <dsp:txXfrm rot="10800000">
+        <a:off x="1620771" y="1443"/>
+        <a:ext cx="4850793" cy="708662"/>
+      </dsp:txXfrm>
+    </dsp:sp>
+    <dsp:sp modelId="{B4B9E57B-5632-42F0-9228-78B51E82E92B}">
+      <dsp:nvSpPr>
+        <dsp:cNvPr id="0" name=""/>
+        <dsp:cNvSpPr/>
+      </dsp:nvSpPr>
+      <dsp:spPr>
+        <a:xfrm>
+          <a:off x="1089275" y="1443"/>
+          <a:ext cx="708662" cy="708662"/>
+        </a:xfrm>
+        <a:prstGeom prst="ellipse">
+          <a:avLst/>
+        </a:prstGeom>
+        <a:solidFill>
+          <a:schemeClr val="accent1">
+            <a:tint val="50000"/>
+            <a:hueOff val="0"/>
+            <a:satOff val="0"/>
+            <a:lumOff val="0"/>
+            <a:alphaOff val="0"/>
+          </a:schemeClr>
+        </a:solidFill>
+        <a:ln w="25400" cap="flat" cmpd="sng" algn="ctr">
+          <a:solidFill>
+            <a:schemeClr val="lt1">
+              <a:hueOff val="0"/>
+              <a:satOff val="0"/>
+              <a:lumOff val="0"/>
+              <a:alphaOff val="0"/>
+            </a:schemeClr>
+          </a:solidFill>
+          <a:prstDash val="solid"/>
+        </a:ln>
+        <a:effectLst/>
+      </dsp:spPr>
+      <dsp:style>
+        <a:lnRef idx="2">
+          <a:scrgbClr r="0" g="0" b="0"/>
+        </a:lnRef>
+        <a:fillRef idx="1">
+          <a:scrgbClr r="0" g="0" b="0"/>
+        </a:fillRef>
+        <a:effectRef idx="0">
+          <a:scrgbClr r="0" g="0" b="0"/>
+        </a:effectRef>
+        <a:fontRef idx="minor"/>
+      </dsp:style>
+    </dsp:sp>
+    <dsp:sp modelId="{BCD1A3FD-0107-40EA-BF80-3157FB065307}">
+      <dsp:nvSpPr>
+        <dsp:cNvPr id="0" name=""/>
+        <dsp:cNvSpPr/>
+      </dsp:nvSpPr>
+      <dsp:spPr>
+        <a:xfrm rot="10800000">
+          <a:off x="1443606" y="921646"/>
+          <a:ext cx="5027958" cy="708662"/>
+        </a:xfrm>
+        <a:prstGeom prst="homePlate">
+          <a:avLst/>
+        </a:prstGeom>
+        <a:solidFill>
+          <a:schemeClr val="accent1">
+            <a:hueOff val="0"/>
+            <a:satOff val="0"/>
+            <a:lumOff val="0"/>
+            <a:alphaOff val="0"/>
+          </a:schemeClr>
+        </a:solidFill>
+        <a:ln w="25400" cap="flat" cmpd="sng" algn="ctr">
+          <a:solidFill>
+            <a:schemeClr val="lt1">
+              <a:hueOff val="0"/>
+              <a:satOff val="0"/>
+              <a:lumOff val="0"/>
+              <a:alphaOff val="0"/>
+            </a:schemeClr>
+          </a:solidFill>
+          <a:prstDash val="solid"/>
+        </a:ln>
+        <a:effectLst/>
+      </dsp:spPr>
+      <dsp:style>
+        <a:lnRef idx="2">
+          <a:scrgbClr r="0" g="0" b="0"/>
+        </a:lnRef>
+        <a:fillRef idx="1">
+          <a:scrgbClr r="0" g="0" b="0"/>
+        </a:fillRef>
+        <a:effectRef idx="0">
+          <a:scrgbClr r="0" g="0" b="0"/>
+        </a:effectRef>
+        <a:fontRef idx="minor">
+          <a:schemeClr val="lt1"/>
+        </a:fontRef>
+      </dsp:style>
+      <dsp:txBody>
+        <a:bodyPr spcFirstLastPara="0" vert="horz" wrap="square" lIns="312501" tIns="60960" rIns="113792" bIns="60960" numCol="1" spcCol="1270" anchor="ctr" anchorCtr="0">
+          <a:noAutofit/>
+        </a:bodyPr>
+        <a:lstStyle/>
+        <a:p>
+          <a:pPr lvl="0" algn="l" defTabSz="711200">
+            <a:lnSpc>
+              <a:spcPct val="90000"/>
+            </a:lnSpc>
+            <a:spcBef>
+              <a:spcPct val="0"/>
+            </a:spcBef>
+            <a:spcAft>
+              <a:spcPct val="35000"/>
+            </a:spcAft>
+          </a:pPr>
+          <a:r>
+            <a:rPr lang="en-US" sz="1600" b="1" kern="1200" dirty="0" smtClean="0">
+              <a:solidFill>
+                <a:schemeClr val="bg1"/>
+              </a:solidFill>
+            </a:rPr>
+            <a:t>Developing further functions like search for history with key words, integration of icons in the messages</a:t>
+          </a:r>
+          <a:endParaRPr lang="en-US" sz="1600" b="1" kern="1200" dirty="0">
+            <a:solidFill>
+              <a:schemeClr val="bg1"/>
+            </a:solidFill>
+          </a:endParaRPr>
+        </a:p>
+      </dsp:txBody>
+      <dsp:txXfrm rot="10800000">
+        <a:off x="1620771" y="921646"/>
+        <a:ext cx="4850793" cy="708662"/>
+      </dsp:txXfrm>
+    </dsp:sp>
+    <dsp:sp modelId="{F020364F-78FB-4F71-80DC-6ADA13B9BE66}">
+      <dsp:nvSpPr>
+        <dsp:cNvPr id="0" name=""/>
+        <dsp:cNvSpPr/>
+      </dsp:nvSpPr>
+      <dsp:spPr>
+        <a:xfrm>
+          <a:off x="1089275" y="921646"/>
+          <a:ext cx="708662" cy="708662"/>
+        </a:xfrm>
+        <a:prstGeom prst="ellipse">
+          <a:avLst/>
+        </a:prstGeom>
+        <a:solidFill>
+          <a:schemeClr val="accent1">
+            <a:tint val="50000"/>
+            <a:hueOff val="0"/>
+            <a:satOff val="0"/>
+            <a:lumOff val="0"/>
+            <a:alphaOff val="0"/>
+          </a:schemeClr>
+        </a:solidFill>
+        <a:ln w="25400" cap="flat" cmpd="sng" algn="ctr">
+          <a:solidFill>
+            <a:schemeClr val="lt1">
+              <a:hueOff val="0"/>
+              <a:satOff val="0"/>
+              <a:lumOff val="0"/>
+              <a:alphaOff val="0"/>
+            </a:schemeClr>
+          </a:solidFill>
+          <a:prstDash val="solid"/>
+        </a:ln>
+        <a:effectLst/>
+      </dsp:spPr>
+      <dsp:style>
+        <a:lnRef idx="2">
+          <a:scrgbClr r="0" g="0" b="0"/>
+        </a:lnRef>
+        <a:fillRef idx="1">
+          <a:scrgbClr r="0" g="0" b="0"/>
+        </a:fillRef>
+        <a:effectRef idx="0">
+          <a:scrgbClr r="0" g="0" b="0"/>
+        </a:effectRef>
+        <a:fontRef idx="minor"/>
+      </dsp:style>
+    </dsp:sp>
+    <dsp:sp modelId="{697FDEFE-AC7A-4F28-8B70-4814D2AB1FC9}">
+      <dsp:nvSpPr>
+        <dsp:cNvPr id="0" name=""/>
+        <dsp:cNvSpPr/>
+      </dsp:nvSpPr>
+      <dsp:spPr>
+        <a:xfrm rot="10800000">
+          <a:off x="1443606" y="1841850"/>
+          <a:ext cx="5027958" cy="708662"/>
+        </a:xfrm>
+        <a:prstGeom prst="homePlate">
+          <a:avLst/>
+        </a:prstGeom>
+        <a:solidFill>
+          <a:schemeClr val="accent1">
+            <a:hueOff val="0"/>
+            <a:satOff val="0"/>
+            <a:lumOff val="0"/>
+            <a:alphaOff val="0"/>
+          </a:schemeClr>
+        </a:solidFill>
+        <a:ln w="25400" cap="flat" cmpd="sng" algn="ctr">
+          <a:solidFill>
+            <a:schemeClr val="lt1">
+              <a:hueOff val="0"/>
+              <a:satOff val="0"/>
+              <a:lumOff val="0"/>
+              <a:alphaOff val="0"/>
+            </a:schemeClr>
+          </a:solidFill>
+          <a:prstDash val="solid"/>
+        </a:ln>
+        <a:effectLst/>
+      </dsp:spPr>
+      <dsp:style>
+        <a:lnRef idx="2">
+          <a:scrgbClr r="0" g="0" b="0"/>
+        </a:lnRef>
+        <a:fillRef idx="1">
+          <a:scrgbClr r="0" g="0" b="0"/>
+        </a:fillRef>
+        <a:effectRef idx="0">
+          <a:scrgbClr r="0" g="0" b="0"/>
+        </a:effectRef>
+        <a:fontRef idx="minor">
+          <a:schemeClr val="lt1"/>
+        </a:fontRef>
+      </dsp:style>
+      <dsp:txBody>
+        <a:bodyPr spcFirstLastPara="0" vert="horz" wrap="square" lIns="312501" tIns="60960" rIns="113792" bIns="60960" numCol="1" spcCol="1270" anchor="ctr" anchorCtr="0">
+          <a:noAutofit/>
+        </a:bodyPr>
+        <a:lstStyle/>
+        <a:p>
+          <a:pPr lvl="0" algn="l" defTabSz="711200">
+            <a:lnSpc>
+              <a:spcPct val="90000"/>
+            </a:lnSpc>
+            <a:spcBef>
+              <a:spcPct val="0"/>
+            </a:spcBef>
+            <a:spcAft>
+              <a:spcPct val="35000"/>
+            </a:spcAft>
+          </a:pPr>
+          <a:r>
+            <a:rPr lang="en-US" sz="1600" b="1" kern="1200" dirty="0" smtClean="0">
+              <a:solidFill>
+                <a:schemeClr val="bg1"/>
+              </a:solidFill>
+            </a:rPr>
+            <a:t>Developing user-friendly web service interface</a:t>
+          </a:r>
+          <a:endParaRPr lang="en-US" sz="1600" b="1" kern="1200" dirty="0">
+            <a:solidFill>
+              <a:schemeClr val="bg1"/>
+            </a:solidFill>
+          </a:endParaRPr>
+        </a:p>
+      </dsp:txBody>
+      <dsp:txXfrm rot="10800000">
+        <a:off x="1620771" y="1841850"/>
+        <a:ext cx="4850793" cy="708662"/>
+      </dsp:txXfrm>
+    </dsp:sp>
+    <dsp:sp modelId="{5377AC10-6536-4E5B-8F97-2D7CDA76434B}">
+      <dsp:nvSpPr>
+        <dsp:cNvPr id="0" name=""/>
+        <dsp:cNvSpPr/>
+      </dsp:nvSpPr>
+      <dsp:spPr>
+        <a:xfrm>
+          <a:off x="1089275" y="1841850"/>
+          <a:ext cx="708662" cy="708662"/>
+        </a:xfrm>
+        <a:prstGeom prst="ellipse">
+          <a:avLst/>
+        </a:prstGeom>
+        <a:solidFill>
+          <a:schemeClr val="accent1">
+            <a:tint val="50000"/>
+            <a:hueOff val="0"/>
+            <a:satOff val="0"/>
+            <a:lumOff val="0"/>
+            <a:alphaOff val="0"/>
+          </a:schemeClr>
+        </a:solidFill>
+        <a:ln w="25400" cap="flat" cmpd="sng" algn="ctr">
+          <a:solidFill>
+            <a:schemeClr val="lt1">
+              <a:hueOff val="0"/>
+              <a:satOff val="0"/>
+              <a:lumOff val="0"/>
+              <a:alphaOff val="0"/>
+            </a:schemeClr>
+          </a:solidFill>
+          <a:prstDash val="solid"/>
+        </a:ln>
+        <a:effectLst/>
+      </dsp:spPr>
+      <dsp:style>
+        <a:lnRef idx="2">
+          <a:scrgbClr r="0" g="0" b="0"/>
+        </a:lnRef>
+        <a:fillRef idx="1">
+          <a:scrgbClr r="0" g="0" b="0"/>
+        </a:fillRef>
+        <a:effectRef idx="0">
+          <a:scrgbClr r="0" g="0" b="0"/>
+        </a:effectRef>
+        <a:fontRef idx="minor"/>
+      </dsp:style>
+    </dsp:sp>
+    <dsp:sp modelId="{D3F9B872-6155-4A33-854F-F30F4516DB45}">
+      <dsp:nvSpPr>
+        <dsp:cNvPr id="0" name=""/>
+        <dsp:cNvSpPr/>
+      </dsp:nvSpPr>
+      <dsp:spPr>
+        <a:xfrm rot="10800000">
+          <a:off x="1368136" y="2736301"/>
+          <a:ext cx="5027958" cy="708662"/>
+        </a:xfrm>
+        <a:prstGeom prst="homePlate">
+          <a:avLst/>
+        </a:prstGeom>
+        <a:solidFill>
+          <a:schemeClr val="accent1">
+            <a:hueOff val="0"/>
+            <a:satOff val="0"/>
+            <a:lumOff val="0"/>
+            <a:alphaOff val="0"/>
+          </a:schemeClr>
+        </a:solidFill>
+        <a:ln w="25400" cap="flat" cmpd="sng" algn="ctr">
+          <a:solidFill>
+            <a:schemeClr val="lt1">
+              <a:hueOff val="0"/>
+              <a:satOff val="0"/>
+              <a:lumOff val="0"/>
+              <a:alphaOff val="0"/>
+            </a:schemeClr>
+          </a:solidFill>
+          <a:prstDash val="solid"/>
+        </a:ln>
+        <a:effectLst/>
+      </dsp:spPr>
+      <dsp:style>
+        <a:lnRef idx="2">
+          <a:scrgbClr r="0" g="0" b="0"/>
+        </a:lnRef>
+        <a:fillRef idx="1">
+          <a:scrgbClr r="0" g="0" b="0"/>
+        </a:fillRef>
+        <a:effectRef idx="0">
+          <a:scrgbClr r="0" g="0" b="0"/>
+        </a:effectRef>
+        <a:fontRef idx="minor">
+          <a:schemeClr val="lt1"/>
+        </a:fontRef>
+      </dsp:style>
+      <dsp:txBody>
+        <a:bodyPr spcFirstLastPara="0" vert="horz" wrap="square" lIns="312501" tIns="60960" rIns="113792" bIns="60960" numCol="1" spcCol="1270" anchor="ctr" anchorCtr="0">
+          <a:noAutofit/>
+        </a:bodyPr>
+        <a:lstStyle/>
+        <a:p>
+          <a:pPr lvl="0" algn="l" defTabSz="711200">
+            <a:lnSpc>
+              <a:spcPct val="90000"/>
+            </a:lnSpc>
+            <a:spcBef>
+              <a:spcPct val="0"/>
+            </a:spcBef>
+            <a:spcAft>
+              <a:spcPct val="35000"/>
+            </a:spcAft>
+          </a:pPr>
+          <a:r>
+            <a:rPr lang="en-US" sz="1600" b="1" kern="1200" dirty="0" smtClean="0">
+              <a:solidFill>
+                <a:schemeClr val="bg1"/>
+              </a:solidFill>
+            </a:rPr>
+            <a:t> Developing an app for mobile devices</a:t>
+          </a:r>
+          <a:endParaRPr lang="en-US" sz="1600" b="1" kern="1200" dirty="0">
+            <a:solidFill>
+              <a:schemeClr val="bg1"/>
+            </a:solidFill>
+          </a:endParaRPr>
+        </a:p>
+      </dsp:txBody>
+      <dsp:txXfrm rot="10800000">
+        <a:off x="1545301" y="2736301"/>
+        <a:ext cx="4850793" cy="708662"/>
+      </dsp:txXfrm>
+    </dsp:sp>
+    <dsp:sp modelId="{C9A57396-8EE7-4A32-A34C-0CC6C43CD0EA}">
+      <dsp:nvSpPr>
+        <dsp:cNvPr id="0" name=""/>
+        <dsp:cNvSpPr/>
+      </dsp:nvSpPr>
+      <dsp:spPr>
+        <a:xfrm>
+          <a:off x="1089275" y="2762054"/>
+          <a:ext cx="708662" cy="708662"/>
+        </a:xfrm>
+        <a:prstGeom prst="ellipse">
+          <a:avLst/>
+        </a:prstGeom>
+        <a:solidFill>
+          <a:schemeClr val="accent1">
+            <a:tint val="50000"/>
+            <a:hueOff val="0"/>
+            <a:satOff val="0"/>
+            <a:lumOff val="0"/>
+            <a:alphaOff val="0"/>
+          </a:schemeClr>
+        </a:solidFill>
+        <a:ln w="25400" cap="flat" cmpd="sng" algn="ctr">
+          <a:solidFill>
+            <a:schemeClr val="lt1">
+              <a:hueOff val="0"/>
+              <a:satOff val="0"/>
+              <a:lumOff val="0"/>
+              <a:alphaOff val="0"/>
+            </a:schemeClr>
+          </a:solidFill>
+          <a:prstDash val="solid"/>
+        </a:ln>
+        <a:effectLst/>
+      </dsp:spPr>
+      <dsp:style>
+        <a:lnRef idx="2">
+          <a:scrgbClr r="0" g="0" b="0"/>
+        </a:lnRef>
+        <a:fillRef idx="1">
+          <a:scrgbClr r="0" g="0" b="0"/>
+        </a:fillRef>
+        <a:effectRef idx="0">
+          <a:scrgbClr r="0" g="0" b="0"/>
+        </a:effectRef>
+        <a:fontRef idx="minor"/>
+      </dsp:style>
+    </dsp:sp>
+  </dsp:spTree>
+</dsp:drawing>
+</file>
+
+<file path=ppt/diagrams/layout1.xml><?xml version="1.0" encoding="utf-8"?>
+<dgm:layoutDef xmlns:dgm="http://schemas.openxmlformats.org/drawingml/2006/diagram" xmlns:a="http://schemas.openxmlformats.org/drawingml/2006/main" uniqueId="urn:microsoft.com/office/officeart/2005/8/layout/vList3#1">
+  <dgm:title val=""/>
+  <dgm:desc val=""/>
+  <dgm:catLst>
+    <dgm:cat type="list" pri="14000"/>
+    <dgm:cat type="convert" pri="3000"/>
+    <dgm:cat type="picture" pri="27000"/>
+    <dgm:cat type="pictureconvert" pri="27000"/>
+  </dgm:catLst>
+  <dgm:sampData useDef="1">
+    <dgm:dataModel>
+      <dgm:ptLst/>
+      <dgm:bg/>
+      <dgm:whole/>
+    </dgm:dataModel>
+  </dgm:sampData>
+  <dgm:styleData>
+    <dgm:dataModel>
+      <dgm:ptLst>
+        <dgm:pt modelId="0" type="doc"/>
+        <dgm:pt modelId="1"/>
+        <dgm:pt modelId="2"/>
+      </dgm:ptLst>
+      <dgm:cxnLst>
+        <dgm:cxn modelId="3" srcId="0" destId="1" srcOrd="0" destOrd="0"/>
+        <dgm:cxn modelId="4" srcId="0" destId="2" srcOrd="1" destOrd="0"/>
+      </dgm:cxnLst>
+      <dgm:bg/>
+      <dgm:whole/>
+    </dgm:dataModel>
+  </dgm:styleData>
+  <dgm:clrData>
+    <dgm:dataModel>
+      <dgm:ptLst>
+        <dgm:pt modelId="0" type="doc"/>
+        <dgm:pt modelId="1"/>
+        <dgm:pt modelId="2"/>
+        <dgm:pt modelId="3"/>
+        <dgm:pt modelId="4"/>
+      </dgm:ptLst>
+      <dgm:cxnLst>
+        <dgm:cxn modelId="5" srcId="0" destId="1" srcOrd="0" destOrd="0"/>
+        <dgm:cxn modelId="6" srcId="0" destId="2" srcOrd="1" destOrd="0"/>
+        <dgm:cxn modelId="7" srcId="0" destId="3" srcOrd="2" destOrd="0"/>
+        <dgm:cxn modelId="8" srcId="0" destId="4" srcOrd="3" destOrd="0"/>
+      </dgm:cxnLst>
+      <dgm:bg/>
+      <dgm:whole/>
+    </dgm:dataModel>
+  </dgm:clrData>
+  <dgm:layoutNode name="linearFlow">
+    <dgm:varLst>
+      <dgm:dir/>
+      <dgm:resizeHandles val="exact"/>
+    </dgm:varLst>
+    <dgm:alg type="lin">
+      <dgm:param type="linDir" val="fromT"/>
+      <dgm:param type="vertAlign" val="mid"/>
+      <dgm:param type="horzAlign" val="ctr"/>
+    </dgm:alg>
+    <dgm:shape xmlns:r="http://schemas.openxmlformats.org/officeDocument/2006/relationships" r:blip="">
+      <dgm:adjLst/>
+    </dgm:shape>
+    <dgm:presOf/>
+    <dgm:constrLst>
+      <dgm:constr type="w" for="ch" forName="composite" refType="w"/>
+      <dgm:constr type="h" for="ch" forName="composite" refType="h"/>
+      <dgm:constr type="h" for="ch" forName="spacing" refType="h" refFor="ch" refForName="composite" fact="0.25"/>
+      <dgm:constr type="h" for="ch" forName="spacing" refType="w" op="lte" fact="0.1"/>
+      <dgm:constr type="primFontSz" for="des" ptType="node" op="equ" val="65"/>
+    </dgm:constrLst>
+    <dgm:ruleLst/>
+    <dgm:forEach name="Name0" axis="ch" ptType="node">
+      <dgm:layoutNode name="composite">
+        <dgm:alg type="composite"/>
+        <dgm:shape xmlns:r="http://schemas.openxmlformats.org/officeDocument/2006/relationships" r:blip="">
+          <dgm:adjLst/>
+        </dgm:shape>
+        <dgm:presOf/>
+        <dgm:choose name="Name1">
+          <dgm:if name="Name2" func="var" arg="dir" op="equ" val="norm">
+            <dgm:constrLst>
+              <dgm:constr type="w" for="ch" forName="imgShp" refType="w" fact="0.335"/>
+              <dgm:constr type="h" for="ch" forName="imgShp" refType="w" refFor="ch" refForName="imgShp" op="equ"/>
+              <dgm:constr type="h" for="ch" forName="imgShp" refType="h" op="lte"/>
+              <dgm:constr type="ctrY" for="ch" forName="imgShp" refType="h" fact="0.5"/>
+              <dgm:constr type="l" for="ch" forName="imgShp"/>
+              <dgm:constr type="w" for="ch" forName="txShp" refType="w" op="equ" fact="0.665"/>
+              <dgm:constr type="h" for="ch" forName="txShp" refType="h" refFor="ch" refForName="imgShp" op="equ"/>
+              <dgm:constr type="ctrY" for="ch" forName="txShp" refType="h" fact="0.5"/>
+              <dgm:constr type="l" for="ch" forName="txShp" refType="w" refFor="ch" refForName="imgShp" fact="0.5"/>
+              <dgm:constr type="lMarg" for="ch" forName="txShp" refType="w" refFor="ch" refForName="imgShp" fact="1.25"/>
+            </dgm:constrLst>
+          </dgm:if>
+          <dgm:else name="Name3">
+            <dgm:constrLst>
+              <dgm:constr type="w" for="ch" forName="imgShp" refType="w" fact="0.335"/>
+              <dgm:constr type="h" for="ch" forName="imgShp" refType="w" refFor="ch" refForName="imgShp" op="equ"/>
+              <dgm:constr type="h" for="ch" forName="imgShp" refType="h" op="lte"/>
+              <dgm:constr type="ctrY" for="ch" forName="imgShp" refType="h" fact="0.5"/>
+              <dgm:constr type="r" for="ch" forName="imgShp" refType="w"/>
+              <dgm:constr type="w" for="ch" forName="txShp" refType="w" op="equ" fact="0.665"/>
+              <dgm:constr type="h" for="ch" forName="txShp" refType="h" refFor="ch" refForName="imgShp" op="equ"/>
+              <dgm:constr type="ctrY" for="ch" forName="txShp" refType="h" fact="0.5"/>
+              <dgm:constr type="r" for="ch" forName="txShp" refType="ctrX" refFor="ch" refForName="imgShp"/>
+              <dgm:constr type="rMarg" for="ch" forName="txShp" refType="w" refFor="ch" refForName="imgShp" fact="1.25"/>
+            </dgm:constrLst>
+          </dgm:else>
+        </dgm:choose>
+        <dgm:ruleLst/>
+        <dgm:layoutNode name="imgShp" styleLbl="fgImgPlace1">
+          <dgm:alg type="sp"/>
+          <dgm:shape xmlns:r="http://schemas.openxmlformats.org/officeDocument/2006/relationships" type="ellipse" r:blip="" blipPhldr="1">
+            <dgm:adjLst/>
+          </dgm:shape>
+          <dgm:presOf/>
+          <dgm:constrLst/>
+          <dgm:ruleLst/>
+        </dgm:layoutNode>
+        <dgm:layoutNode name="txShp">
+          <dgm:varLst>
+            <dgm:bulletEnabled val="1"/>
+          </dgm:varLst>
+          <dgm:alg type="tx"/>
+          <dgm:choose name="Name4">
+            <dgm:if name="Name5" func="var" arg="dir" op="equ" val="norm">
+              <dgm:shape xmlns:r="http://schemas.openxmlformats.org/officeDocument/2006/relationships" rot="180" type="homePlate" r:blip="" zOrderOff="-1">
+                <dgm:adjLst/>
+              </dgm:shape>
+            </dgm:if>
+            <dgm:else name="Name6">
+              <dgm:shape xmlns:r="http://schemas.openxmlformats.org/officeDocument/2006/relationships" type="homePlate" r:blip="" zOrderOff="-1">
+                <dgm:adjLst/>
+              </dgm:shape>
+            </dgm:else>
+          </dgm:choose>
+          <dgm:presOf axis="desOrSelf" ptType="node"/>
+          <dgm:constrLst>
+            <dgm:constr type="tMarg" refType="primFontSz" fact="0.3"/>
+            <dgm:constr type="bMarg" refType="primFontSz" fact="0.3"/>
+          </dgm:constrLst>
+          <dgm:ruleLst>
+            <dgm:rule type="primFontSz" val="5" fact="NaN" max="NaN"/>
+          </dgm:ruleLst>
+        </dgm:layoutNode>
+      </dgm:layoutNode>
+      <dgm:forEach name="Name7" axis="followSib" ptType="sibTrans" cnt="1">
+        <dgm:layoutNode name="spacing">
+          <dgm:alg type="sp"/>
+          <dgm:shape xmlns:r="http://schemas.openxmlformats.org/officeDocument/2006/relationships" r:blip="">
+            <dgm:adjLst/>
+          </dgm:shape>
+          <dgm:presOf axis="self"/>
+          <dgm:constrLst/>
+          <dgm:ruleLst/>
+        </dgm:layoutNode>
+      </dgm:forEach>
+    </dgm:forEach>
+  </dgm:layoutNode>
+</dgm:layoutDef>
+</file>
+
+<file path=ppt/diagrams/quickStyle1.xml><?xml version="1.0" encoding="utf-8"?>
+<dgm:styleDef xmlns:dgm="http://schemas.openxmlformats.org/drawingml/2006/diagram" xmlns:a="http://schemas.openxmlformats.org/drawingml/2006/main" uniqueId="urn:microsoft.com/office/officeart/2005/8/quickstyle/simple1">
+  <dgm:title val=""/>
+  <dgm:desc val=""/>
+  <dgm:catLst>
+    <dgm:cat type="simple" pri="10100"/>
+  </dgm:catLst>
+  <dgm:scene3d>
+    <a:camera prst="orthographicFront"/>
+    <a:lightRig rig="threePt" dir="t"/>
+  </dgm:scene3d>
+  <dgm:styleLbl name="node0">
+    <dgm:scene3d>
+      <a:camera prst="orthographicFront"/>
+      <a:lightRig rig="threePt" dir="t"/>
+    </dgm:scene3d>
+    <dgm:sp3d/>
+    <dgm:txPr/>
+    <dgm:style>
+      <a:lnRef idx="2">
+        <a:scrgbClr r="0" g="0" b="0"/>
+      </a:lnRef>
+      <a:fillRef idx="1">
+        <a:scrgbClr r="0" g="0" b="0"/>
+      </a:fillRef>
+      <a:effectRef idx="0">
+        <a:scrgbClr r="0" g="0" b="0"/>
+      </a:effectRef>
+      <a:fontRef idx="minor">
+        <a:schemeClr val="lt1"/>
+      </a:fontRef>
+    </dgm:style>
+  </dgm:styleLbl>
+  <dgm:styleLbl name="lnNode1">
+    <dgm:scene3d>
+      <a:camera prst="orthographicFront"/>
+      <a:lightRig rig="threePt" dir="t"/>
+    </dgm:scene3d>
+    <dgm:sp3d/>
+    <dgm:txPr/>
+    <dgm:style>
+      <a:lnRef idx="2">
+        <a:scrgbClr r="0" g="0" b="0"/>
+      </a:lnRef>
+      <a:fillRef idx="1">
+        <a:scrgbClr r="0" g="0" b="0"/>
+      </a:fillRef>
+      <a:effectRef idx="0">
+        <a:scrgbClr r="0" g="0" b="0"/>
+      </a:effectRef>
+      <a:fontRef idx="minor">
+        <a:schemeClr val="lt1"/>
+      </a:fontRef>
+    </dgm:style>
+  </dgm:styleLbl>
+  <dgm:styleLbl name="vennNode1">
+    <dgm:scene3d>
+      <a:camera prst="orthographicFront"/>
+      <a:lightRig rig="threePt" dir="t"/>
+    </dgm:scene3d>
+    <dgm:sp3d/>
+    <dgm:txPr/>
+    <dgm:style>
+      <a:lnRef idx="2">
+        <a:scrgbClr r="0" g="0" b="0"/>
+      </a:lnRef>
+      <a:fillRef idx="1">
+        <a:scrgbClr r="0" g="0" b="0"/>
+      </a:fillRef>
+      <a:effectRef idx="0">
+        <a:scrgbClr r="0" g="0" b="0"/>
+      </a:effectRef>
+      <a:fontRef idx="minor">
+        <a:schemeClr val="tx1"/>
+      </a:fontRef>
+    </dgm:style>
+  </dgm:styleLbl>
+  <dgm:styleLbl name="alignNode1">
+    <dgm:scene3d>
+      <a:camera prst="orthographicFront"/>
+      <a:lightRig rig="threePt" dir="t"/>
+    </dgm:scene3d>
+    <dgm:sp3d/>
+    <dgm:txPr/>
+    <dgm:style>
+      <a:lnRef idx="2">
+        <a:scrgbClr r="0" g="0" b="0"/>
+      </a:lnRef>
+      <a:fillRef idx="1">
+        <a:scrgbClr r="0" g="0" b="0"/>
+      </a:fillRef>
+      <a:effectRef idx="0">
+        <a:scrgbClr r="0" g="0" b="0"/>
+      </a:effectRef>
+      <a:fontRef idx="minor">
+        <a:schemeClr val="lt1"/>
+      </a:fontRef>
+    </dgm:style>
+  </dgm:styleLbl>
+  <dgm:styleLbl name="node1">
+    <dgm:scene3d>
+      <a:camera prst="orthographicFront"/>
+      <a:lightRig rig="threePt" dir="t"/>
+    </dgm:scene3d>
+    <dgm:sp3d/>
+    <dgm:txPr/>
+    <dgm:style>
+      <a:lnRef idx="2">
+        <a:scrgbClr r="0" g="0" b="0"/>
+      </a:lnRef>
+      <a:fillRef idx="1">
+        <a:scrgbClr r="0" g="0" b="0"/>
+      </a:fillRef>
+      <a:effectRef idx="0">
+        <a:scrgbClr r="0" g="0" b="0"/>
+      </a:effectRef>
+      <a:fontRef idx="minor">
+        <a:schemeClr val="lt1"/>
+      </a:fontRef>
+    </dgm:style>
+  </dgm:styleLbl>
+  <dgm:styleLbl name="node2">
+    <dgm:scene3d>
+      <a:camera prst="orthographicFront"/>
+      <a:lightRig rig="threePt" dir="t"/>
+    </dgm:scene3d>
+    <dgm:sp3d/>
+    <dgm:txPr/>
+    <dgm:style>
+      <a:lnRef idx="2">
+        <a:scrgbClr r="0" g="0" b="0"/>
+      </a:lnRef>
+      <a:fillRef idx="1">
+        <a:scrgbClr r="0" g="0" b="0"/>
+      </a:fillRef>
+      <a:effectRef idx="0">
+        <a:scrgbClr r="0" g="0" b="0"/>
+      </a:effectRef>
+      <a:fontRef idx="minor">
+        <a:schemeClr val="lt1"/>
+      </a:fontRef>
+    </dgm:style>
+  </dgm:styleLbl>
+  <dgm:styleLbl name="node3">
+    <dgm:scene3d>
+      <a:camera prst="orthographicFront"/>
+      <a:lightRig rig="threePt" dir="t"/>
+    </dgm:scene3d>
+    <dgm:sp3d/>
+    <dgm:txPr/>
+    <dgm:style>
+      <a:lnRef idx="2">
+        <a:scrgbClr r="0" g="0" b="0"/>
+      </a:lnRef>
+      <a:fillRef idx="1">
+        <a:scrgbClr r="0" g="0" b="0"/>
+      </a:fillRef>
+      <a:effectRef idx="0">
+        <a:scrgbClr r="0" g="0" b="0"/>
+      </a:effectRef>
+      <a:fontRef idx="minor">
+        <a:schemeClr val="lt1"/>
+      </a:fontRef>
+    </dgm:style>
+  </dgm:styleLbl>
+  <dgm:styleLbl name="node4">
+    <dgm:scene3d>
+      <a:camera prst="orthographicFront"/>
+      <a:lightRig rig="threePt" dir="t"/>
+    </dgm:scene3d>
+    <dgm:sp3d/>
+    <dgm:txPr/>
+    <dgm:style>
+      <a:lnRef idx="2">
+        <a:scrgbClr r="0" g="0" b="0"/>
+      </a:lnRef>
+      <a:fillRef idx="1">
+        <a:scrgbClr r="0" g="0" b="0"/>
+      </a:fillRef>
+      <a:effectRef idx="0">
+        <a:scrgbClr r="0" g="0" b="0"/>
+      </a:effectRef>
+      <a:fontRef idx="minor">
+        <a:schemeClr val="lt1"/>
+      </a:fontRef>
+    </dgm:style>
+  </dgm:styleLbl>
+  <dgm:styleLbl name="fgImgPlace1">
+    <dgm:scene3d>
+      <a:camera prst="orthographicFront"/>
+      <a:lightRig rig="threePt" dir="t"/>
+    </dgm:scene3d>
+    <dgm:sp3d/>
+    <dgm:txPr/>
+    <dgm:style>
+      <a:lnRef idx="2">
+        <a:scrgbClr r="0" g="0" b="0"/>
+      </a:lnRef>
+      <a:fillRef idx="1">
+        <a:scrgbClr r="0" g="0" b="0"/>
+      </a:fillRef>
+      <a:effectRef idx="0">
+        <a:scrgbClr r="0" g="0" b="0"/>
+      </a:effectRef>
+      <a:fontRef idx="minor"/>
+    </dgm:style>
+  </dgm:styleLbl>
+  <dgm:styleLbl name="alignImgPlace1">
+    <dgm:scene3d>
+      <a:camera prst="orthographicFront"/>
+      <a:lightRig rig="threePt" dir="t"/>
+    </dgm:scene3d>
+    <dgm:sp3d/>
+    <dgm:txPr/>
+    <dgm:style>
+      <a:lnRef idx="2">
+        <a:scrgbClr r="0" g="0" b="0"/>
+      </a:lnRef>
+      <a:fillRef idx="1">
+        <a:scrgbClr r="0" g="0" b="0"/>
+      </a:fillRef>
+      <a:effectRef idx="0">
+        <a:scrgbClr r="0" g="0" b="0"/>
+      </a:effectRef>
+      <a:fontRef idx="minor"/>
+    </dgm:style>
+  </dgm:styleLbl>
+  <dgm:styleLbl name="bgImgPlace1">
+    <dgm:scene3d>
+      <a:camera prst="orthographicFront"/>
+      <a:lightRig rig="threePt" dir="t"/>
+    </dgm:scene3d>
+    <dgm:sp3d/>
+    <dgm:txPr/>
+    <dgm:style>
+      <a:lnRef idx="2">
+        <a:scrgbClr r="0" g="0" b="0"/>
+      </a:lnRef>
+      <a:fillRef idx="1">
+        <a:scrgbClr r="0" g="0" b="0"/>
+      </a:fillRef>
+      <a:effectRef idx="0">
+        <a:scrgbClr r="0" g="0" b="0"/>
+      </a:effectRef>
+      <a:fontRef idx="minor"/>
+    </dgm:style>
+  </dgm:styleLbl>
+  <dgm:styleLbl name="sibTrans2D1">
+    <dgm:scene3d>
+      <a:camera prst="orthographicFront"/>
+      <a:lightRig rig="threePt" dir="t"/>
+    </dgm:scene3d>
+    <dgm:sp3d/>
+    <dgm:txPr/>
+    <dgm:style>
+      <a:lnRef idx="0">
+        <a:scrgbClr r="0" g="0" b="0"/>
+      </a:lnRef>
+      <a:fillRef idx="1">
+        <a:scrgbClr r="0" g="0" b="0"/>
+      </a:fillRef>
+      <a:effectRef idx="0">
+        <a:scrgbClr r="0" g="0" b="0"/>
+      </a:effectRef>
+      <a:fontRef idx="minor">
+        <a:schemeClr val="lt1"/>
+      </a:fontRef>
+    </dgm:style>
+  </dgm:styleLbl>
+  <dgm:styleLbl name="fgSibTrans2D1">
+    <dgm:scene3d>
+      <a:camera prst="orthographicFront"/>
+      <a:lightRig rig="threePt" dir="t"/>
+    </dgm:scene3d>
+    <dgm:sp3d/>
+    <dgm:txPr/>
+    <dgm:style>
+      <a:lnRef idx="0">
+        <a:scrgbClr r="0" g="0" b="0"/>
+      </a:lnRef>
+      <a:fillRef idx="1">
+        <a:scrgbClr r="0" g="0" b="0"/>
+      </a:fillRef>
+      <a:effectRef idx="0">
+        <a:scrgbClr r="0" g="0" b="0"/>
+      </a:effectRef>
+      <a:fontRef idx="minor">
+        <a:schemeClr val="lt1"/>
+      </a:fontRef>
+    </dgm:style>
+  </dgm:styleLbl>
+  <dgm:styleLbl name="bgSibTrans2D1">
+    <dgm:scene3d>
+      <a:camera prst="orthographicFront"/>
+      <a:lightRig rig="threePt" dir="t"/>
+    </dgm:scene3d>
+    <dgm:sp3d/>
+    <dgm:txPr/>
+    <dgm:style>
+      <a:lnRef idx="0">
+        <a:scrgbClr r="0" g="0" b="0"/>
+      </a:lnRef>
+      <a:fillRef idx="1">
+        <a:scrgbClr r="0" g="0" b="0"/>
+      </a:fillRef>
+      <a:effectRef idx="0">
+        <a:scrgbClr r="0" g="0" b="0"/>
+      </a:effectRef>
+      <a:fontRef idx="minor">
+        <a:schemeClr val="lt1"/>
+      </a:fontRef>
+    </dgm:style>
+  </dgm:styleLbl>
+  <dgm:styleLbl name="sibTrans1D1">
+    <dgm:scene3d>
+      <a:camera prst="orthographicFront"/>
+      <a:lightRig rig="threePt" dir="t"/>
+    </dgm:scene3d>
+    <dgm:sp3d/>
+    <dgm:txPr/>
+    <dgm:style>
+      <a:lnRef idx="1">
+        <a:scrgbClr r="0" g="0" b="0"/>
+      </a:lnRef>
+      <a:fillRef idx="0">
+        <a:scrgbClr r="0" g="0" b="0"/>
+      </a:fillRef>
+      <a:effectRef idx="0">
+        <a:scrgbClr r="0" g="0" b="0"/>
+      </a:effectRef>
+      <a:fontRef idx="minor"/>
+    </dgm:style>
+  </dgm:styleLbl>
+  <dgm:styleLbl name="callout">
+    <dgm:scene3d>
+      <a:camera prst="orthographicFront"/>
+      <a:lightRig rig="threePt" dir="t"/>
+    </dgm:scene3d>
+    <dgm:sp3d/>
+    <dgm:txPr/>
+    <dgm:style>
+      <a:lnRef idx="2">
+        <a:scrgbClr r="0" g="0" b="0"/>
+      </a:lnRef>
+      <a:fillRef idx="1">
+        <a:scrgbClr r="0" g="0" b="0"/>
+      </a:fillRef>
+      <a:effectRef idx="0">
+        <a:scrgbClr r="0" g="0" b="0"/>
+      </a:effectRef>
+      <a:fontRef idx="minor"/>
+    </dgm:style>
+  </dgm:styleLbl>
+  <dgm:styleLbl name="asst0">
+    <dgm:scene3d>
+      <a:camera prst="orthographicFront"/>
+      <a:lightRig rig="threePt" dir="t"/>
+    </dgm:scene3d>
+    <dgm:sp3d/>
+    <dgm:txPr/>
+    <dgm:style>
+      <a:lnRef idx="2">
+        <a:scrgbClr r="0" g="0" b="0"/>
+      </a:lnRef>
+      <a:fillRef idx="1">
+        <a:scrgbClr r="0" g="0" b="0"/>
+      </a:fillRef>
+      <a:effectRef idx="0">
+        <a:scrgbClr r="0" g="0" b="0"/>
+      </a:effectRef>
+      <a:fontRef idx="minor">
+        <a:schemeClr val="lt1"/>
+      </a:fontRef>
+    </dgm:style>
+  </dgm:styleLbl>
+  <dgm:styleLbl name="asst1">
+    <dgm:scene3d>
+      <a:camera prst="orthographicFront"/>
+      <a:lightRig rig="threePt" dir="t"/>
+    </dgm:scene3d>
+    <dgm:sp3d/>
+    <dgm:txPr/>
+    <dgm:style>
+      <a:lnRef idx="2">
+        <a:scrgbClr r="0" g="0" b="0"/>
+      </a:lnRef>
+      <a:fillRef idx="1">
+        <a:scrgbClr r="0" g="0" b="0"/>
+      </a:fillRef>
+      <a:effectRef idx="0">
+        <a:scrgbClr r="0" g="0" b="0"/>
+      </a:effectRef>
+      <a:fontRef idx="minor">
+        <a:schemeClr val="lt1"/>
+      </a:fontRef>
+    </dgm:style>
+  </dgm:styleLbl>
+  <dgm:styleLbl name="asst2">
+    <dgm:scene3d>
+      <a:camera prst="orthographicFront"/>
+      <a:lightRig rig="threePt" dir="t"/>
+    </dgm:scene3d>
+    <dgm:sp3d/>
+    <dgm:txPr/>
+    <dgm:style>
+      <a:lnRef idx="2">
+        <a:scrgbClr r="0" g="0" b="0"/>
+      </a:lnRef>
+      <a:fillRef idx="1">
+        <a:scrgbClr r="0" g="0" b="0"/>
+      </a:fillRef>
+      <a:effectRef idx="0">
+        <a:scrgbClr r="0" g="0" b="0"/>
+      </a:effectRef>
+      <a:fontRef idx="minor">
+        <a:schemeClr val="lt1"/>
+      </a:fontRef>
+    </dgm:style>
+  </dgm:styleLbl>
+  <dgm:styleLbl name="asst3">
+    <dgm:scene3d>
+      <a:camera prst="orthographicFront"/>
+      <a:lightRig rig="threePt" dir="t"/>
+    </dgm:scene3d>
+    <dgm:sp3d/>
+    <dgm:txPr/>
+    <dgm:style>
+      <a:lnRef idx="2">
+        <a:scrgbClr r="0" g="0" b="0"/>
+      </a:lnRef>
+      <a:fillRef idx="1">
+        <a:scrgbClr r="0" g="0" b="0"/>
+      </a:fillRef>
+      <a:effectRef idx="0">
+        <a:scrgbClr r="0" g="0" b="0"/>
+      </a:effectRef>
+      <a:fontRef idx="minor">
+        <a:schemeClr val="lt1"/>
+      </a:fontRef>
+    </dgm:style>
+  </dgm:styleLbl>
+  <dgm:styleLbl name="asst4">
+    <dgm:scene3d>
+      <a:camera prst="orthographicFront"/>
+      <a:lightRig rig="threePt" dir="t"/>
+    </dgm:scene3d>
+    <dgm:sp3d/>
+    <dgm:txPr/>
+    <dgm:style>
+      <a:lnRef idx="2">
+        <a:scrgbClr r="0" g="0" b="0"/>
+      </a:lnRef>
+      <a:fillRef idx="1">
+        <a:scrgbClr r="0" g="0" b="0"/>
+      </a:fillRef>
+      <a:effectRef idx="0">
+        <a:scrgbClr r="0" g="0" b="0"/>
+      </a:effectRef>
+      <a:fontRef idx="minor">
+        <a:schemeClr val="lt1"/>
+      </a:fontRef>
+    </dgm:style>
+  </dgm:styleLbl>
+  <dgm:styleLbl name="parChTrans2D1">
+    <dgm:scene3d>
+      <a:camera prst="orthographicFront"/>
+      <a:lightRig rig="threePt" dir="t"/>
+    </dgm:scene3d>
+    <dgm:sp3d/>
+    <dgm:txPr/>
+    <dgm:style>
+      <a:lnRef idx="2">
+        <a:scrgbClr r="0" g="0" b="0"/>
+      </a:lnRef>
+      <a:fillRef idx="1">
+        <a:scrgbClr r="0" g="0" b="0"/>
+      </a:fillRef>
+      <a:effectRef idx="0">
+        <a:scrgbClr r="0" g="0" b="0"/>
+      </a:effectRef>
+      <a:fontRef idx="minor">
+        <a:schemeClr val="lt1"/>
+      </a:fontRef>
+    </dgm:style>
+  </dgm:styleLbl>
+  <dgm:styleLbl name="parChTrans2D2">
+    <dgm:scene3d>
+      <a:camera prst="orthographicFront"/>
+      <a:lightRig rig="threePt" dir="t"/>
+    </dgm:scene3d>
+    <dgm:sp3d/>
+    <dgm:txPr/>
+    <dgm:style>
+      <a:lnRef idx="2">
+        <a:scrgbClr r="0" g="0" b="0"/>
+      </a:lnRef>
+      <a:fillRef idx="1">
+        <a:scrgbClr r="0" g="0" b="0"/>
+      </a:fillRef>
+      <a:effectRef idx="0">
+        <a:scrgbClr r="0" g="0" b="0"/>
+      </a:effectRef>
+      <a:fontRef idx="minor">
+        <a:schemeClr val="lt1"/>
+      </a:fontRef>
+    </dgm:style>
+  </dgm:styleLbl>
+  <dgm:styleLbl name="parChTrans2D3">
+    <dgm:scene3d>
+      <a:camera prst="orthographicFront"/>
+      <a:lightRig rig="threePt" dir="t"/>
+    </dgm:scene3d>
+    <dgm:sp3d/>
+    <dgm:txPr/>
+    <dgm:style>
+      <a:lnRef idx="2">
+        <a:scrgbClr r="0" g="0" b="0"/>
+      </a:lnRef>
+      <a:fillRef idx="1">
+        <a:scrgbClr r="0" g="0" b="0"/>
+      </a:fillRef>
+      <a:effectRef idx="0">
+        <a:scrgbClr r="0" g="0" b="0"/>
+      </a:effectRef>
+      <a:fontRef idx="minor">
+        <a:schemeClr val="lt1"/>
+      </a:fontRef>
+    </dgm:style>
+  </dgm:styleLbl>
+  <dgm:styleLbl name="parChTrans2D4">
+    <dgm:scene3d>
+      <a:camera prst="orthographicFront"/>
+      <a:lightRig rig="threePt" dir="t"/>
+    </dgm:scene3d>
+    <dgm:sp3d/>
+    <dgm:txPr/>
+    <dgm:style>
+      <a:lnRef idx="2">
+        <a:scrgbClr r="0" g="0" b="0"/>
+      </a:lnRef>
+      <a:fillRef idx="1">
+        <a:scrgbClr r="0" g="0" b="0"/>
+      </a:fillRef>
+      <a:effectRef idx="0">
+        <a:scrgbClr r="0" g="0" b="0"/>
+      </a:effectRef>
+      <a:fontRef idx="minor">
+        <a:schemeClr val="lt1"/>
+      </a:fontRef>
+    </dgm:style>
+  </dgm:styleLbl>
+  <dgm:styleLbl name="parChTrans1D1">
+    <dgm:scene3d>
+      <a:camera prst="orthographicFront"/>
+      <a:lightRig rig="threePt" dir="t"/>
+    </dgm:scene3d>
+    <dgm:sp3d/>
+    <dgm:txPr/>
+    <dgm:style>
+      <a:lnRef idx="2">
+        <a:scrgbClr r="0" g="0" b="0"/>
+      </a:lnRef>
+      <a:fillRef idx="0">
+        <a:scrgbClr r="0" g="0" b="0"/>
+      </a:fillRef>
+      <a:effectRef idx="0">
+        <a:scrgbClr r="0" g="0" b="0"/>
+      </a:effectRef>
+      <a:fontRef idx="minor"/>
+    </dgm:style>
+  </dgm:styleLbl>
+  <dgm:styleLbl name="parChTrans1D2">
+    <dgm:scene3d>
+      <a:camera prst="orthographicFront"/>
+      <a:lightRig rig="threePt" dir="t"/>
+    </dgm:scene3d>
+    <dgm:sp3d/>
+    <dgm:txPr/>
+    <dgm:style>
+      <a:lnRef idx="2">
+        <a:scrgbClr r="0" g="0" b="0"/>
+      </a:lnRef>
+      <a:fillRef idx="0">
+        <a:scrgbClr r="0" g="0" b="0"/>
+      </a:fillRef>
+      <a:effectRef idx="0">
+        <a:scrgbClr r="0" g="0" b="0"/>
+      </a:effectRef>
+      <a:fontRef idx="minor"/>
+    </dgm:style>
+  </dgm:styleLbl>
+  <dgm:styleLbl name="parChTrans1D3">
+    <dgm:scene3d>
+      <a:camera prst="orthographicFront"/>
+      <a:lightRig rig="threePt" dir="t"/>
+    </dgm:scene3d>
+    <dgm:sp3d/>
+    <dgm:txPr/>
+    <dgm:style>
+      <a:lnRef idx="2">
+        <a:scrgbClr r="0" g="0" b="0"/>
+      </a:lnRef>
+      <a:fillRef idx="0">
+        <a:scrgbClr r="0" g="0" b="0"/>
+      </a:fillRef>
+      <a:effectRef idx="0">
+        <a:scrgbClr r="0" g="0" b="0"/>
+      </a:effectRef>
+      <a:fontRef idx="minor"/>
+    </dgm:style>
+  </dgm:styleLbl>
+  <dgm:styleLbl name="parChTrans1D4">
+    <dgm:scene3d>
+      <a:camera prst="orthographicFront"/>
+      <a:lightRig rig="threePt" dir="t"/>
+    </dgm:scene3d>
+    <dgm:sp3d/>
+    <dgm:txPr/>
+    <dgm:style>
+      <a:lnRef idx="2">
+        <a:scrgbClr r="0" g="0" b="0"/>
+      </a:lnRef>
+      <a:fillRef idx="0">
+        <a:scrgbClr r="0" g="0" b="0"/>
+      </a:fillRef>
+      <a:effectRef idx="0">
+        <a:scrgbClr r="0" g="0" b="0"/>
+      </a:effectRef>
+      <a:fontRef idx="minor"/>
+    </dgm:style>
+  </dgm:styleLbl>
+  <dgm:styleLbl name="fgAcc1">
+    <dgm:scene3d>
+      <a:camera prst="orthographicFront"/>
+      <a:lightRig rig="threePt" dir="t"/>
+    </dgm:scene3d>
+    <dgm:sp3d/>
+    <dgm:txPr/>
+    <dgm:style>
+      <a:lnRef idx="2">
+        <a:scrgbClr r="0" g="0" b="0"/>
+      </a:lnRef>
+      <a:fillRef idx="1">
+        <a:scrgbClr r="0" g="0" b="0"/>
+      </a:fillRef>
+      <a:effectRef idx="0">
+        <a:scrgbClr r="0" g="0" b="0"/>
+      </a:effectRef>
+      <a:fontRef idx="minor"/>
+    </dgm:style>
+  </dgm:styleLbl>
+  <dgm:styleLbl name="conFgAcc1">
+    <dgm:scene3d>
+      <a:camera prst="orthographicFront"/>
+      <a:lightRig rig="threePt" dir="t"/>
+    </dgm:scene3d>
+    <dgm:sp3d/>
+    <dgm:txPr/>
+    <dgm:style>
+      <a:lnRef idx="2">
+        <a:scrgbClr r="0" g="0" b="0"/>
+      </a:lnRef>
+      <a:fillRef idx="1">
+        <a:scrgbClr r="0" g="0" b="0"/>
+      </a:fillRef>
+      <a:effectRef idx="0">
+        <a:scrgbClr r="0" g="0" b="0"/>
+      </a:effectRef>
+      <a:fontRef idx="minor"/>
+    </dgm:style>
+  </dgm:styleLbl>
+  <dgm:styleLbl name="alignAcc1">
+    <dgm:scene3d>
+      <a:camera prst="orthographicFront"/>
+      <a:lightRig rig="threePt" dir="t"/>
+    </dgm:scene3d>
+    <dgm:sp3d/>
+    <dgm:txPr/>
+    <dgm:style>
+      <a:lnRef idx="2">
+        <a:scrgbClr r="0" g="0" b="0"/>
+      </a:lnRef>
+      <a:fillRef idx="1">
+        <a:scrgbClr r="0" g="0" b="0"/>
+      </a:fillRef>
+      <a:effectRef idx="0">
+        <a:scrgbClr r="0" g="0" b="0"/>
+      </a:effectRef>
+      <a:fontRef idx="minor"/>
+    </dgm:style>
+  </dgm:styleLbl>
+  <dgm:styleLbl name="trAlignAcc1">
+    <dgm:scene3d>
+      <a:camera prst="orthographicFront"/>
+      <a:lightRig rig="threePt" dir="t"/>
+    </dgm:scene3d>
+    <dgm:sp3d/>
+    <dgm:txPr/>
+    <dgm:style>
+      <a:lnRef idx="1">
+        <a:scrgbClr r="0" g="0" b="0"/>
+      </a:lnRef>
+      <a:fillRef idx="1">
+        <a:scrgbClr r="0" g="0" b="0"/>
+      </a:fillRef>
+      <a:effectRef idx="0">
+        <a:scrgbClr r="0" g="0" b="0"/>
+      </a:effectRef>
+      <a:fontRef idx="minor"/>
+    </dgm:style>
+  </dgm:styleLbl>
+  <dgm:styleLbl name="bgAcc1">
+    <dgm:scene3d>
+      <a:camera prst="orthographicFront"/>
+      <a:lightRig rig="threePt" dir="t"/>
+    </dgm:scene3d>
+    <dgm:sp3d/>
+    <dgm:txPr/>
+    <dgm:style>
+      <a:lnRef idx="2">
+        <a:scrgbClr r="0" g="0" b="0"/>
+      </a:lnRef>
+      <a:fillRef idx="1">
+        <a:scrgbClr r="0" g="0" b="0"/>
+      </a:fillRef>
+      <a:effectRef idx="0">
+        <a:scrgbClr r="0" g="0" b="0"/>
+      </a:effectRef>
+      <a:fontRef idx="minor"/>
+    </dgm:style>
+  </dgm:styleLbl>
+  <dgm:styleLbl name="solidFgAcc1">
+    <dgm:scene3d>
+      <a:camera prst="orthographicFront"/>
+      <a:lightRig rig="threePt" dir="t"/>
+    </dgm:scene3d>
+    <dgm:sp3d/>
+    <dgm:txPr/>
+    <dgm:style>
+      <a:lnRef idx="2">
+        <a:scrgbClr r="0" g="0" b="0"/>
+      </a:lnRef>
+      <a:fillRef idx="1">
+        <a:scrgbClr r="0" g="0" b="0"/>
+      </a:fillRef>
+      <a:effectRef idx="0">
+        <a:scrgbClr r="0" g="0" b="0"/>
+      </a:effectRef>
+      <a:fontRef idx="minor"/>
+    </dgm:style>
+  </dgm:styleLbl>
+  <dgm:styleLbl name="solidAlignAcc1">
+    <dgm:scene3d>
+      <a:camera prst="orthographicFront"/>
+      <a:lightRig rig="threePt" dir="t"/>
+    </dgm:scene3d>
+    <dgm:sp3d/>
+    <dgm:txPr/>
+    <dgm:style>
+      <a:lnRef idx="2">
+        <a:scrgbClr r="0" g="0" b="0"/>
+      </a:lnRef>
+      <a:fillRef idx="1">
+        <a:scrgbClr r="0" g="0" b="0"/>
+      </a:fillRef>
+      <a:effectRef idx="0">
+        <a:scrgbClr r="0" g="0" b="0"/>
+      </a:effectRef>
+      <a:fontRef idx="minor"/>
+    </dgm:style>
+  </dgm:styleLbl>
+  <dgm:styleLbl name="solidBgAcc1">
+    <dgm:scene3d>
+      <a:camera prst="orthographicFront"/>
+      <a:lightRig rig="threePt" dir="t"/>
+    </dgm:scene3d>
+    <dgm:sp3d/>
+    <dgm:txPr/>
+    <dgm:style>
+      <a:lnRef idx="2">
+        <a:scrgbClr r="0" g="0" b="0"/>
+      </a:lnRef>
+      <a:fillRef idx="1">
+        <a:scrgbClr r="0" g="0" b="0"/>
+      </a:fillRef>
+      <a:effectRef idx="0">
+        <a:scrgbClr r="0" g="0" b="0"/>
+      </a:effectRef>
+      <a:fontRef idx="minor"/>
+    </dgm:style>
+  </dgm:styleLbl>
+  <dgm:styleLbl name="fgAccFollowNode1">
+    <dgm:scene3d>
+      <a:camera prst="orthographicFront"/>
+      <a:lightRig rig="threePt" dir="t"/>
+    </dgm:scene3d>
+    <dgm:sp3d/>
+    <dgm:txPr/>
+    <dgm:style>
+      <a:lnRef idx="2">
+        <a:scrgbClr r="0" g="0" b="0"/>
+      </a:lnRef>
+      <a:fillRef idx="1">
+        <a:scrgbClr r="0" g="0" b="0"/>
+      </a:fillRef>
+      <a:effectRef idx="0">
+        <a:scrgbClr r="0" g="0" b="0"/>
+      </a:effectRef>
+      <a:fontRef idx="minor"/>
+    </dgm:style>
+  </dgm:styleLbl>
+  <dgm:styleLbl name="alignAccFollowNode1">
+    <dgm:scene3d>
+      <a:camera prst="orthographicFront"/>
+      <a:lightRig rig="threePt" dir="t"/>
+    </dgm:scene3d>
+    <dgm:sp3d/>
+    <dgm:txPr/>
+    <dgm:style>
+      <a:lnRef idx="2">
+        <a:scrgbClr r="0" g="0" b="0"/>
+      </a:lnRef>
+      <a:fillRef idx="1">
+        <a:scrgbClr r="0" g="0" b="0"/>
+      </a:fillRef>
+      <a:effectRef idx="0">
+        <a:scrgbClr r="0" g="0" b="0"/>
+      </a:effectRef>
+      <a:fontRef idx="minor"/>
+    </dgm:style>
+  </dgm:styleLbl>
+  <dgm:styleLbl name="bgAccFollowNode1">
+    <dgm:scene3d>
+      <a:camera prst="orthographicFront"/>
+      <a:lightRig rig="threePt" dir="t"/>
+    </dgm:scene3d>
+    <dgm:sp3d/>
+    <dgm:txPr/>
+    <dgm:style>
+      <a:lnRef idx="2">
+        <a:scrgbClr r="0" g="0" b="0"/>
+      </a:lnRef>
+      <a:fillRef idx="1">
+        <a:scrgbClr r="0" g="0" b="0"/>
+      </a:fillRef>
+      <a:effectRef idx="0">
+        <a:scrgbClr r="0" g="0" b="0"/>
+      </a:effectRef>
+      <a:fontRef idx="minor"/>
+    </dgm:style>
+  </dgm:styleLbl>
+  <dgm:styleLbl name="fgAcc0">
+    <dgm:scene3d>
+      <a:camera prst="orthographicFront"/>
+      <a:lightRig rig="threePt" dir="t"/>
+    </dgm:scene3d>
+    <dgm:sp3d/>
+    <dgm:txPr/>
+    <dgm:style>
+      <a:lnRef idx="2">
+        <a:scrgbClr r="0" g="0" b="0"/>
+      </a:lnRef>
+      <a:fillRef idx="1">
+        <a:scrgbClr r="0" g="0" b="0"/>
+      </a:fillRef>
+      <a:effectRef idx="0">
+        <a:scrgbClr r="0" g="0" b="0"/>
+      </a:effectRef>
+      <a:fontRef idx="minor"/>
+    </dgm:style>
+  </dgm:styleLbl>
+  <dgm:styleLbl name="fgAcc2">
+    <dgm:scene3d>
+      <a:camera prst="orthographicFront"/>
+      <a:lightRig rig="threePt" dir="t"/>
+    </dgm:scene3d>
+    <dgm:sp3d/>
+    <dgm:txPr/>
+    <dgm:style>
+      <a:lnRef idx="2">
+        <a:scrgbClr r="0" g="0" b="0"/>
+      </a:lnRef>
+      <a:fillRef idx="1">
+        <a:scrgbClr r="0" g="0" b="0"/>
+      </a:fillRef>
+      <a:effectRef idx="0">
+        <a:scrgbClr r="0" g="0" b="0"/>
+      </a:effectRef>
+      <a:fontRef idx="minor"/>
+    </dgm:style>
+  </dgm:styleLbl>
+  <dgm:styleLbl name="fgAcc3">
+    <dgm:scene3d>
+      <a:camera prst="orthographicFront"/>
+      <a:lightRig rig="threePt" dir="t"/>
+    </dgm:scene3d>
+    <dgm:sp3d/>
+    <dgm:txPr/>
+    <dgm:style>
+      <a:lnRef idx="2">
+        <a:scrgbClr r="0" g="0" b="0"/>
+      </a:lnRef>
+      <a:fillRef idx="1">
+        <a:scrgbClr r="0" g="0" b="0"/>
+      </a:fillRef>
+      <a:effectRef idx="0">
+        <a:scrgbClr r="0" g="0" b="0"/>
+      </a:effectRef>
+      <a:fontRef idx="minor"/>
+    </dgm:style>
+  </dgm:styleLbl>
+  <dgm:styleLbl name="fgAcc4">
+    <dgm:scene3d>
+      <a:camera prst="orthographicFront"/>
+      <a:lightRig rig="threePt" dir="t"/>
+    </dgm:scene3d>
+    <dgm:sp3d/>
+    <dgm:txPr/>
+    <dgm:style>
+      <a:lnRef idx="2">
+        <a:scrgbClr r="0" g="0" b="0"/>
+      </a:lnRef>
+      <a:fillRef idx="1">
+        <a:scrgbClr r="0" g="0" b="0"/>
+      </a:fillRef>
+      <a:effectRef idx="0">
+        <a:scrgbClr r="0" g="0" b="0"/>
+      </a:effectRef>
+      <a:fontRef idx="minor"/>
+    </dgm:style>
+  </dgm:styleLbl>
+  <dgm:styleLbl name="bgShp">
+    <dgm:scene3d>
+      <a:camera prst="orthographicFront"/>
+      <a:lightRig rig="threePt" dir="t"/>
+    </dgm:scene3d>
+    <dgm:sp3d/>
+    <dgm:txPr/>
+    <dgm:style>
+      <a:lnRef idx="0">
+        <a:scrgbClr r="0" g="0" b="0"/>
+      </a:lnRef>
+      <a:fillRef idx="1">
+        <a:scrgbClr r="0" g="0" b="0"/>
+      </a:fillRef>
+      <a:effectRef idx="0">
+        <a:scrgbClr r="0" g="0" b="0"/>
+      </a:effectRef>
+      <a:fontRef idx="minor"/>
+    </dgm:style>
+  </dgm:styleLbl>
+  <dgm:styleLbl name="dkBgShp">
+    <dgm:scene3d>
+      <a:camera prst="orthographicFront"/>
+      <a:lightRig rig="threePt" dir="t"/>
+    </dgm:scene3d>
+    <dgm:sp3d/>
+    <dgm:txPr/>
+    <dgm:style>
+      <a:lnRef idx="0">
+        <a:scrgbClr r="0" g="0" b="0"/>
+      </a:lnRef>
+      <a:fillRef idx="1">
+        <a:scrgbClr r="0" g="0" b="0"/>
+      </a:fillRef>
+      <a:effectRef idx="0">
+        <a:scrgbClr r="0" g="0" b="0"/>
+      </a:effectRef>
+      <a:fontRef idx="minor"/>
+    </dgm:style>
+  </dgm:styleLbl>
+  <dgm:styleLbl name="trBgShp">
+    <dgm:scene3d>
+      <a:camera prst="orthographicFront"/>
+      <a:lightRig rig="threePt" dir="t"/>
+    </dgm:scene3d>
+    <dgm:sp3d/>
+    <dgm:txPr/>
+    <dgm:style>
+      <a:lnRef idx="0">
+        <a:scrgbClr r="0" g="0" b="0"/>
+      </a:lnRef>
+      <a:fillRef idx="1">
+        <a:scrgbClr r="0" g="0" b="0"/>
+      </a:fillRef>
+      <a:effectRef idx="0">
+        <a:scrgbClr r="0" g="0" b="0"/>
+      </a:effectRef>
+      <a:fontRef idx="minor"/>
+    </dgm:style>
+  </dgm:styleLbl>
+  <dgm:styleLbl name="fgShp">
+    <dgm:scene3d>
+      <a:camera prst="orthographicFront"/>
+      <a:lightRig rig="threePt" dir="t"/>
+    </dgm:scene3d>
+    <dgm:sp3d/>
+    <dgm:txPr/>
+    <dgm:style>
+      <a:lnRef idx="2">
+        <a:scrgbClr r="0" g="0" b="0"/>
+      </a:lnRef>
+      <a:fillRef idx="1">
+        <a:scrgbClr r="0" g="0" b="0"/>
+      </a:fillRef>
+      <a:effectRef idx="0">
+        <a:scrgbClr r="0" g="0" b="0"/>
+      </a:effectRef>
+      <a:fontRef idx="minor"/>
+    </dgm:style>
+  </dgm:styleLbl>
+  <dgm:styleLbl name="revTx">
+    <dgm:scene3d>
+      <a:camera prst="orthographicFront"/>
+      <a:lightRig rig="threePt" dir="t"/>
+    </dgm:scene3d>
+    <dgm:sp3d/>
+    <dgm:txPr/>
+    <dgm:style>
+      <a:lnRef idx="0">
+        <a:scrgbClr r="0" g="0" b="0"/>
+      </a:lnRef>
+      <a:fillRef idx="0">
+        <a:scrgbClr r="0" g="0" b="0"/>
+      </a:fillRef>
+      <a:effectRef idx="0">
+        <a:scrgbClr r="0" g="0" b="0"/>
+      </a:effectRef>
+      <a:fontRef idx="minor"/>
+    </dgm:style>
+  </dgm:styleLbl>
+</dgm:styleDef>
 </file>
 
 <file path=ppt/notesMasters/notesMaster1.xml><?xml version="1.0" encoding="utf-8"?>
@@ -10076,7 +12898,6 @@
               <a:rPr lang="en-US" b="1" dirty="0"/>
               <a:t> Nicolaescu  </a:t>
             </a:r>
-            <a:endParaRPr lang="en-US" b="1" dirty="0"/>
           </a:p>
         </p:txBody>
       </p:sp>
@@ -10181,8 +13002,18 @@
           </a:p>
           <a:p>
             <a:r>
-              <a:rPr lang="de-DE" sz="2200" dirty="0" err="1"/>
+              <a:rPr lang="de-DE" sz="2200" dirty="0" err="1" smtClean="0"/>
               <a:t>Competitiveness</a:t>
+            </a:r>
+            <a:endParaRPr lang="de-DE" sz="2200" dirty="0" smtClean="0"/>
+          </a:p>
+          <a:p>
+            <a:endParaRPr lang="de-DE" sz="2200" dirty="0"/>
+          </a:p>
+          <a:p>
+            <a:r>
+              <a:rPr lang="de-DE" sz="2200" dirty="0" smtClean="0"/>
+              <a:t>Demo</a:t>
             </a:r>
             <a:endParaRPr lang="de-DE" sz="2200" dirty="0"/>
           </a:p>
@@ -10196,7 +13027,11 @@
             </a:r>
             <a:r>
               <a:rPr lang="de-DE" sz="2200" dirty="0" smtClean="0"/>
-              <a:t>Outlook</a:t>
+              <a:t>Further </a:t>
+            </a:r>
+            <a:r>
+              <a:rPr lang="de-DE" sz="2200" dirty="0" err="1" smtClean="0"/>
+              <a:t>Enhancements</a:t>
             </a:r>
             <a:endParaRPr lang="de-DE" sz="2200" dirty="0" smtClean="0"/>
           </a:p>
@@ -10230,6 +13065,233 @@
     <p:extLst>
       <p:ext uri="{BB962C8B-B14F-4D97-AF65-F5344CB8AC3E}">
         <p14:creationId xmlns:p14="http://schemas.microsoft.com/office/powerpoint/2010/main" val="2841216958"/>
+      </p:ext>
+    </p:extLst>
+  </p:cSld>
+  <p:clrMapOvr>
+    <a:masterClrMapping/>
+  </p:clrMapOvr>
+  <p:timing>
+    <p:tnLst>
+      <p:par>
+        <p:cTn id="1" dur="indefinite" restart="never" nodeType="tmRoot"/>
+      </p:par>
+    </p:tnLst>
+  </p:timing>
+</p:sld>
+</file>
+
+<file path=ppt/slides/slide3.xml><?xml version="1.0" encoding="utf-8"?>
+<p:sld xmlns:a="http://schemas.openxmlformats.org/drawingml/2006/main" xmlns:r="http://schemas.openxmlformats.org/officeDocument/2006/relationships" xmlns:p="http://schemas.openxmlformats.org/presentationml/2006/main">
+  <p:cSld>
+    <p:spTree>
+      <p:nvGrpSpPr>
+        <p:cNvPr id="1" name=""/>
+        <p:cNvGrpSpPr/>
+        <p:nvPr/>
+      </p:nvGrpSpPr>
+      <p:grpSpPr>
+        <a:xfrm>
+          <a:off x="0" y="0"/>
+          <a:ext cx="0" cy="0"/>
+          <a:chOff x="0" y="0"/>
+          <a:chExt cx="0" cy="0"/>
+        </a:xfrm>
+      </p:grpSpPr>
+      <p:sp>
+        <p:nvSpPr>
+          <p:cNvPr id="2" name="Title 1"/>
+          <p:cNvSpPr>
+            <a:spLocks noGrp="1"/>
+          </p:cNvSpPr>
+          <p:nvPr>
+            <p:ph type="title"/>
+          </p:nvPr>
+        </p:nvSpPr>
+        <p:spPr/>
+        <p:txBody>
+          <a:bodyPr/>
+          <a:lstStyle/>
+          <a:p>
+            <a:r>
+              <a:rPr lang="de-DE" sz="2800" dirty="0"/>
+              <a:t>Project </a:t>
+            </a:r>
+            <a:r>
+              <a:rPr lang="de-DE" sz="2800" dirty="0" err="1" smtClean="0"/>
+              <a:t>Overview</a:t>
+            </a:r>
+            <a:endParaRPr lang="en-US" dirty="0"/>
+          </a:p>
+        </p:txBody>
+      </p:sp>
+      <p:sp>
+        <p:nvSpPr>
+          <p:cNvPr id="3" name="Content Placeholder 2"/>
+          <p:cNvSpPr>
+            <a:spLocks noGrp="1"/>
+          </p:cNvSpPr>
+          <p:nvPr>
+            <p:ph idx="1"/>
+          </p:nvPr>
+        </p:nvSpPr>
+        <p:spPr/>
+        <p:txBody>
+          <a:bodyPr/>
+          <a:lstStyle/>
+          <a:p>
+            <a:r>
+              <a:rPr lang="en-US" dirty="0" smtClean="0"/>
+              <a:t>Main function: Enabling instant messaging between users</a:t>
+            </a:r>
+          </a:p>
+          <a:p>
+            <a:r>
+              <a:rPr lang="en-US" dirty="0" smtClean="0"/>
+              <a:t> </a:t>
+            </a:r>
+            <a:endParaRPr lang="en-US" dirty="0"/>
+          </a:p>
+        </p:txBody>
+      </p:sp>
+      <p:sp>
+        <p:nvSpPr>
+          <p:cNvPr id="4" name="Slide Number Placeholder 3"/>
+          <p:cNvSpPr>
+            <a:spLocks noGrp="1"/>
+          </p:cNvSpPr>
+          <p:nvPr>
+            <p:ph type="sldNum" sz="quarter" idx="12"/>
+          </p:nvPr>
+        </p:nvSpPr>
+        <p:spPr/>
+        <p:txBody>
+          <a:bodyPr/>
+          <a:lstStyle/>
+          <a:p>
+            <a:fld id="{E6C8C3D6-4075-4EE4-8CC0-D76389F4D181}" type="slidenum">
+              <a:rPr lang="en-US" smtClean="0"/>
+              <a:pPr/>
+              <a:t>3</a:t>
+            </a:fld>
+            <a:endParaRPr lang="en-US" dirty="0"/>
+          </a:p>
+        </p:txBody>
+      </p:sp>
+    </p:spTree>
+    <p:extLst>
+      <p:ext uri="{BB962C8B-B14F-4D97-AF65-F5344CB8AC3E}">
+        <p14:creationId xmlns:p14="http://schemas.microsoft.com/office/powerpoint/2010/main" val="1655080937"/>
+      </p:ext>
+    </p:extLst>
+  </p:cSld>
+  <p:clrMapOvr>
+    <a:masterClrMapping/>
+  </p:clrMapOvr>
+  <p:timing>
+    <p:tnLst>
+      <p:par>
+        <p:cTn id="1" dur="indefinite" restart="never" nodeType="tmRoot"/>
+      </p:par>
+    </p:tnLst>
+  </p:timing>
+</p:sld>
+</file>
+
+<file path=ppt/slides/slide4.xml><?xml version="1.0" encoding="utf-8"?>
+<p:sld xmlns:a="http://schemas.openxmlformats.org/drawingml/2006/main" xmlns:r="http://schemas.openxmlformats.org/officeDocument/2006/relationships" xmlns:p="http://schemas.openxmlformats.org/presentationml/2006/main">
+  <p:cSld>
+    <p:spTree>
+      <p:nvGrpSpPr>
+        <p:cNvPr id="1" name=""/>
+        <p:cNvGrpSpPr/>
+        <p:nvPr/>
+      </p:nvGrpSpPr>
+      <p:grpSpPr>
+        <a:xfrm>
+          <a:off x="0" y="0"/>
+          <a:ext cx="0" cy="0"/>
+          <a:chOff x="0" y="0"/>
+          <a:chExt cx="0" cy="0"/>
+        </a:xfrm>
+      </p:grpSpPr>
+      <p:sp>
+        <p:nvSpPr>
+          <p:cNvPr id="2" name="Title 1"/>
+          <p:cNvSpPr>
+            <a:spLocks noGrp="1"/>
+          </p:cNvSpPr>
+          <p:nvPr>
+            <p:ph type="title"/>
+          </p:nvPr>
+        </p:nvSpPr>
+        <p:spPr/>
+        <p:txBody>
+          <a:bodyPr/>
+          <a:lstStyle/>
+          <a:p>
+            <a:r>
+              <a:rPr lang="de-DE" sz="2800" dirty="0"/>
+              <a:t>Further </a:t>
+            </a:r>
+            <a:r>
+              <a:rPr lang="de-DE" sz="2800" dirty="0" err="1"/>
+              <a:t>Enhancements</a:t>
+            </a:r>
+            <a:endParaRPr lang="de-DE" sz="2800" dirty="0"/>
+          </a:p>
+        </p:txBody>
+      </p:sp>
+      <p:sp>
+        <p:nvSpPr>
+          <p:cNvPr id="4" name="Slide Number Placeholder 3"/>
+          <p:cNvSpPr>
+            <a:spLocks noGrp="1"/>
+          </p:cNvSpPr>
+          <p:nvPr>
+            <p:ph type="sldNum" sz="quarter" idx="12"/>
+          </p:nvPr>
+        </p:nvSpPr>
+        <p:spPr/>
+        <p:txBody>
+          <a:bodyPr/>
+          <a:lstStyle/>
+          <a:p>
+            <a:fld id="{E6C8C3D6-4075-4EE4-8CC0-D76389F4D181}" type="slidenum">
+              <a:rPr lang="en-US" smtClean="0"/>
+              <a:pPr/>
+              <a:t>4</a:t>
+            </a:fld>
+            <a:endParaRPr lang="en-US" dirty="0"/>
+          </a:p>
+        </p:txBody>
+      </p:sp>
+      <p:graphicFrame>
+        <p:nvGraphicFramePr>
+          <p:cNvPr id="5" name="Diagram 4"/>
+          <p:cNvGraphicFramePr/>
+          <p:nvPr>
+            <p:extLst>
+              <p:ext uri="{D42A27DB-BD31-4B8C-83A1-F6EECF244321}">
+                <p14:modId xmlns:p14="http://schemas.microsoft.com/office/powerpoint/2010/main" val="1408342092"/>
+              </p:ext>
+            </p:extLst>
+          </p:nvPr>
+        </p:nvGraphicFramePr>
+        <p:xfrm>
+          <a:off x="755576" y="1844824"/>
+          <a:ext cx="7560840" cy="3472160"/>
+        </p:xfrm>
+        <a:graphic>
+          <a:graphicData uri="http://schemas.openxmlformats.org/drawingml/2006/diagram">
+            <dgm:relIds xmlns:dgm="http://schemas.openxmlformats.org/drawingml/2006/diagram" xmlns:r="http://schemas.openxmlformats.org/officeDocument/2006/relationships" r:dm="rId2" r:lo="rId3" r:qs="rId4" r:cs="rId5"/>
+          </a:graphicData>
+        </a:graphic>
+      </p:graphicFrame>
+    </p:spTree>
+    <p:extLst>
+      <p:ext uri="{BB962C8B-B14F-4D97-AF65-F5344CB8AC3E}">
+        <p14:creationId xmlns:p14="http://schemas.microsoft.com/office/powerpoint/2010/main" val="2633381710"/>
       </p:ext>
     </p:extLst>
   </p:cSld>

--- a/LAS2peer-Template-Project/doc/Presentation_template.pptx
+++ b/LAS2peer-Template-Project/doc/Presentation_template.pptx
@@ -7,13 +7,15 @@
     <p:sldMasterId id="2147483660" r:id="rId3"/>
   </p:sldMasterIdLst>
   <p:notesMasterIdLst>
-    <p:notesMasterId r:id="rId8"/>
+    <p:notesMasterId r:id="rId10"/>
   </p:notesMasterIdLst>
   <p:sldIdLst>
     <p:sldId id="256" r:id="rId4"/>
     <p:sldId id="258" r:id="rId5"/>
     <p:sldId id="259" r:id="rId6"/>
-    <p:sldId id="260" r:id="rId7"/>
+    <p:sldId id="262" r:id="rId7"/>
+    <p:sldId id="261" r:id="rId8"/>
+    <p:sldId id="260" r:id="rId9"/>
   </p:sldIdLst>
   <p:sldSz cx="9144000" cy="6858000" type="screen4x3"/>
   <p:notesSz cx="6858000" cy="9144000"/>
@@ -1167,15 +1169,15 @@
     </dgm:pt>
   </dgm:ptLst>
   <dgm:cxnLst>
+    <dgm:cxn modelId="{BD8B4B76-02A7-441B-9513-52737ED4C282}" srcId="{93BC5730-6C87-42E5-9B15-63A36BE9F294}" destId="{3AF9A87F-E474-4362-8806-2E4639EDB7B2}" srcOrd="1" destOrd="0" parTransId="{4035D348-3A7B-4537-B0B3-E3DDE4B3845C}" sibTransId="{BA5854C1-8046-48F0-B1EB-63BF24394966}"/>
+    <dgm:cxn modelId="{F011C131-1CEE-40B6-AC0B-6A76E415B5EB}" type="presOf" srcId="{1F8F085B-6F7C-434E-AE1A-CCAD0F7C95B8}" destId="{C73351F4-9A39-4E0A-88F9-160850AE8994}" srcOrd="0" destOrd="0" presId="urn:microsoft.com/office/officeart/2005/8/layout/vList3#1"/>
     <dgm:cxn modelId="{3836ABF4-F7ED-4DFA-9412-E1F378553E3A}" srcId="{93BC5730-6C87-42E5-9B15-63A36BE9F294}" destId="{04A31C94-B9FF-4656-A8B1-D1430B2BD588}" srcOrd="2" destOrd="0" parTransId="{E9E58DDC-AE96-4EE9-86F2-A81B7BAA9AA5}" sibTransId="{D5ED3A7B-2430-4C04-89D0-1F499BC8DC86}"/>
+    <dgm:cxn modelId="{F6E8C013-74DA-412E-8B6C-0C63441236C1}" type="presOf" srcId="{C96D5131-E2DA-4734-A3EA-66C2FD387F84}" destId="{D3F9B872-6155-4A33-854F-F30F4516DB45}" srcOrd="0" destOrd="0" presId="urn:microsoft.com/office/officeart/2005/8/layout/vList3#1"/>
     <dgm:cxn modelId="{11AF4E58-772A-4688-AD21-AD4AD35AFFC8}" srcId="{93BC5730-6C87-42E5-9B15-63A36BE9F294}" destId="{C96D5131-E2DA-4734-A3EA-66C2FD387F84}" srcOrd="3" destOrd="0" parTransId="{33B9C29D-0E22-494D-8DDF-EABA4CC7B7BF}" sibTransId="{AABCFBFE-F777-4384-BD2D-D0451C73810D}"/>
-    <dgm:cxn modelId="{F6E8C013-74DA-412E-8B6C-0C63441236C1}" type="presOf" srcId="{C96D5131-E2DA-4734-A3EA-66C2FD387F84}" destId="{D3F9B872-6155-4A33-854F-F30F4516DB45}" srcOrd="0" destOrd="0" presId="urn:microsoft.com/office/officeart/2005/8/layout/vList3#1"/>
-    <dgm:cxn modelId="{BD8B4B76-02A7-441B-9513-52737ED4C282}" srcId="{93BC5730-6C87-42E5-9B15-63A36BE9F294}" destId="{3AF9A87F-E474-4362-8806-2E4639EDB7B2}" srcOrd="1" destOrd="0" parTransId="{4035D348-3A7B-4537-B0B3-E3DDE4B3845C}" sibTransId="{BA5854C1-8046-48F0-B1EB-63BF24394966}"/>
     <dgm:cxn modelId="{E50BB269-4EA4-4A82-B2F2-62F2E3425FDD}" type="presOf" srcId="{04A31C94-B9FF-4656-A8B1-D1430B2BD588}" destId="{697FDEFE-AC7A-4F28-8B70-4814D2AB1FC9}" srcOrd="0" destOrd="0" presId="urn:microsoft.com/office/officeart/2005/8/layout/vList3#1"/>
+    <dgm:cxn modelId="{FEE713BB-E5CD-4416-8D48-AEF323D3F276}" srcId="{93BC5730-6C87-42E5-9B15-63A36BE9F294}" destId="{1F8F085B-6F7C-434E-AE1A-CCAD0F7C95B8}" srcOrd="0" destOrd="0" parTransId="{06461A0A-4FDA-4BAD-AFE2-D3674BA9AC58}" sibTransId="{96CC8415-BE12-4A80-92BB-83F72D964E72}"/>
+    <dgm:cxn modelId="{8937D0AB-3F9F-4B51-AAEF-DE34A193E326}" type="presOf" srcId="{3AF9A87F-E474-4362-8806-2E4639EDB7B2}" destId="{BCD1A3FD-0107-40EA-BF80-3157FB065307}" srcOrd="0" destOrd="0" presId="urn:microsoft.com/office/officeart/2005/8/layout/vList3#1"/>
     <dgm:cxn modelId="{8B02D23B-80FD-497A-A0C8-C1D2EBFA5D08}" type="presOf" srcId="{93BC5730-6C87-42E5-9B15-63A36BE9F294}" destId="{245DC3EE-0EDA-4662-88A8-031A77D2214F}" srcOrd="0" destOrd="0" presId="urn:microsoft.com/office/officeart/2005/8/layout/vList3#1"/>
-    <dgm:cxn modelId="{FEE713BB-E5CD-4416-8D48-AEF323D3F276}" srcId="{93BC5730-6C87-42E5-9B15-63A36BE9F294}" destId="{1F8F085B-6F7C-434E-AE1A-CCAD0F7C95B8}" srcOrd="0" destOrd="0" parTransId="{06461A0A-4FDA-4BAD-AFE2-D3674BA9AC58}" sibTransId="{96CC8415-BE12-4A80-92BB-83F72D964E72}"/>
-    <dgm:cxn modelId="{F011C131-1CEE-40B6-AC0B-6A76E415B5EB}" type="presOf" srcId="{1F8F085B-6F7C-434E-AE1A-CCAD0F7C95B8}" destId="{C73351F4-9A39-4E0A-88F9-160850AE8994}" srcOrd="0" destOrd="0" presId="urn:microsoft.com/office/officeart/2005/8/layout/vList3#1"/>
-    <dgm:cxn modelId="{8937D0AB-3F9F-4B51-AAEF-DE34A193E326}" type="presOf" srcId="{3AF9A87F-E474-4362-8806-2E4639EDB7B2}" destId="{BCD1A3FD-0107-40EA-BF80-3157FB065307}" srcOrd="0" destOrd="0" presId="urn:microsoft.com/office/officeart/2005/8/layout/vList3#1"/>
     <dgm:cxn modelId="{1DFBC442-1203-44AA-A9DA-8363707D1AA1}" type="presParOf" srcId="{245DC3EE-0EDA-4662-88A8-031A77D2214F}" destId="{20875C13-36C7-4E67-90F9-E7F4D533B23D}" srcOrd="0" destOrd="0" presId="urn:microsoft.com/office/officeart/2005/8/layout/vList3#1"/>
     <dgm:cxn modelId="{09AD6A90-102F-47E7-975E-C497DDF499C0}" type="presParOf" srcId="{20875C13-36C7-4E67-90F9-E7F4D533B23D}" destId="{B4B9E57B-5632-42F0-9228-78B51E82E92B}" srcOrd="0" destOrd="0" presId="urn:microsoft.com/office/officeart/2005/8/layout/vList3#1"/>
     <dgm:cxn modelId="{2506CA2E-55D5-4FA4-B6A6-8EB69FB0DD6F}" type="presParOf" srcId="{20875C13-36C7-4E67-90F9-E7F4D533B23D}" destId="{C73351F4-9A39-4E0A-88F9-160850AE8994}" srcOrd="1" destOrd="0" presId="urn:microsoft.com/office/officeart/2005/8/layout/vList3#1"/>
@@ -13002,10 +13004,14 @@
           </a:p>
           <a:p>
             <a:r>
-              <a:rPr lang="de-DE" sz="2200" dirty="0" err="1" smtClean="0"/>
-              <a:t>Competitiveness</a:t>
-            </a:r>
-            <a:endParaRPr lang="de-DE" sz="2200" dirty="0" smtClean="0"/>
+              <a:rPr lang="de-DE" sz="2000" dirty="0"/>
+              <a:t>Advantages &amp; </a:t>
+            </a:r>
+            <a:r>
+              <a:rPr lang="de-DE" sz="2000" dirty="0" err="1" smtClean="0"/>
+              <a:t>Disavantages</a:t>
+            </a:r>
+            <a:endParaRPr lang="de-DE" sz="2000" dirty="0" smtClean="0"/>
           </a:p>
           <a:p>
             <a:endParaRPr lang="de-DE" sz="2200" dirty="0"/>
@@ -13178,6 +13184,35 @@
           </a:p>
         </p:txBody>
       </p:sp>
+      <p:sp>
+        <p:nvSpPr>
+          <p:cNvPr id="5" name="Rectangle 4"/>
+          <p:cNvSpPr/>
+          <p:nvPr/>
+        </p:nvSpPr>
+        <p:spPr>
+          <a:xfrm>
+            <a:off x="3699934" y="3244334"/>
+            <a:ext cx="1744132" cy="369332"/>
+          </a:xfrm>
+          <a:prstGeom prst="rect">
+            <a:avLst/>
+          </a:prstGeom>
+        </p:spPr>
+        <p:txBody>
+          <a:bodyPr wrap="none">
+            <a:spAutoFit/>
+          </a:bodyPr>
+          <a:lstStyle/>
+          <a:p>
+            <a:r>
+              <a:rPr lang="de-DE" dirty="0" err="1"/>
+              <a:t>Competitiveness</a:t>
+            </a:r>
+            <a:endParaRPr lang="de-DE" dirty="0"/>
+          </a:p>
+        </p:txBody>
+      </p:sp>
     </p:spTree>
     <p:extLst>
       <p:ext uri="{BB962C8B-B14F-4D97-AF65-F5344CB8AC3E}">
@@ -13231,6 +13266,1294 @@
           <a:lstStyle/>
           <a:p>
             <a:r>
+              <a:rPr lang="de-DE" sz="2800" dirty="0" smtClean="0"/>
+              <a:t>Advantages &amp; </a:t>
+            </a:r>
+            <a:r>
+              <a:rPr lang="de-DE" sz="2800" dirty="0" err="1" smtClean="0"/>
+              <a:t>Disavantages</a:t>
+            </a:r>
+            <a:endParaRPr lang="en-US" dirty="0"/>
+          </a:p>
+        </p:txBody>
+      </p:sp>
+      <p:sp>
+        <p:nvSpPr>
+          <p:cNvPr id="4" name="Slide Number Placeholder 3"/>
+          <p:cNvSpPr>
+            <a:spLocks noGrp="1"/>
+          </p:cNvSpPr>
+          <p:nvPr>
+            <p:ph type="sldNum" sz="quarter" idx="12"/>
+          </p:nvPr>
+        </p:nvSpPr>
+        <p:spPr/>
+        <p:txBody>
+          <a:bodyPr/>
+          <a:lstStyle/>
+          <a:p>
+            <a:fld id="{E6C8C3D6-4075-4EE4-8CC0-D76389F4D181}" type="slidenum">
+              <a:rPr lang="en-US" smtClean="0"/>
+              <a:pPr/>
+              <a:t>4</a:t>
+            </a:fld>
+            <a:endParaRPr lang="en-US" dirty="0"/>
+          </a:p>
+        </p:txBody>
+      </p:sp>
+      <p:sp>
+        <p:nvSpPr>
+          <p:cNvPr id="6" name="Rounded Rectangle 5"/>
+          <p:cNvSpPr/>
+          <p:nvPr/>
+        </p:nvSpPr>
+        <p:spPr>
+          <a:xfrm>
+            <a:off x="827584" y="1556792"/>
+            <a:ext cx="3672408" cy="4392488"/>
+          </a:xfrm>
+          <a:prstGeom prst="roundRect">
+            <a:avLst/>
+          </a:prstGeom>
+          <a:ln>
+            <a:noFill/>
+          </a:ln>
+        </p:spPr>
+        <p:style>
+          <a:lnRef idx="2">
+            <a:schemeClr val="accent1">
+              <a:shade val="50000"/>
+            </a:schemeClr>
+          </a:lnRef>
+          <a:fillRef idx="1">
+            <a:schemeClr val="accent1"/>
+          </a:fillRef>
+          <a:effectRef idx="0">
+            <a:schemeClr val="accent1"/>
+          </a:effectRef>
+          <a:fontRef idx="minor">
+            <a:schemeClr val="lt1"/>
+          </a:fontRef>
+        </p:style>
+        <p:txBody>
+          <a:bodyPr rtlCol="0" anchor="ctr"/>
+          <a:lstStyle/>
+          <a:p>
+            <a:pPr algn="ctr"/>
+            <a:endParaRPr lang="en-US" dirty="0"/>
+          </a:p>
+        </p:txBody>
+      </p:sp>
+      <p:sp>
+        <p:nvSpPr>
+          <p:cNvPr id="7" name="Oval 6"/>
+          <p:cNvSpPr/>
+          <p:nvPr/>
+        </p:nvSpPr>
+        <p:spPr>
+          <a:xfrm>
+            <a:off x="2375756" y="1628800"/>
+            <a:ext cx="576064" cy="576064"/>
+          </a:xfrm>
+          <a:prstGeom prst="ellipse">
+            <a:avLst/>
+          </a:prstGeom>
+          <a:ln>
+            <a:solidFill>
+              <a:schemeClr val="bg1"/>
+            </a:solidFill>
+          </a:ln>
+        </p:spPr>
+        <p:style>
+          <a:lnRef idx="2">
+            <a:schemeClr val="accent1">
+              <a:shade val="50000"/>
+            </a:schemeClr>
+          </a:lnRef>
+          <a:fillRef idx="1">
+            <a:schemeClr val="accent1"/>
+          </a:fillRef>
+          <a:effectRef idx="0">
+            <a:schemeClr val="accent1"/>
+          </a:effectRef>
+          <a:fontRef idx="minor">
+            <a:schemeClr val="lt1"/>
+          </a:fontRef>
+        </p:style>
+        <p:txBody>
+          <a:bodyPr rtlCol="0" anchor="ctr"/>
+          <a:lstStyle/>
+          <a:p>
+            <a:pPr algn="ctr"/>
+            <a:r>
+              <a:rPr lang="de-DE" dirty="0" smtClean="0"/>
+              <a:t>+</a:t>
+            </a:r>
+            <a:endParaRPr lang="en-US" dirty="0"/>
+          </a:p>
+        </p:txBody>
+      </p:sp>
+      <p:sp>
+        <p:nvSpPr>
+          <p:cNvPr id="8" name="TextBox 7"/>
+          <p:cNvSpPr txBox="1"/>
+          <p:nvPr/>
+        </p:nvSpPr>
+        <p:spPr>
+          <a:xfrm>
+            <a:off x="827584" y="2276872"/>
+            <a:ext cx="3528392" cy="2585323"/>
+          </a:xfrm>
+          <a:prstGeom prst="rect">
+            <a:avLst/>
+          </a:prstGeom>
+          <a:noFill/>
+        </p:spPr>
+        <p:txBody>
+          <a:bodyPr wrap="square" rtlCol="0">
+            <a:spAutoFit/>
+          </a:bodyPr>
+          <a:lstStyle/>
+          <a:p>
+            <a:pPr marL="285750" indent="-285750">
+              <a:buFont typeface="Wingdings" pitchFamily="2" charset="2"/>
+              <a:buChar char="q"/>
+            </a:pPr>
+            <a:r>
+              <a:rPr lang="de-DE" b="1" dirty="0" smtClean="0">
+                <a:solidFill>
+                  <a:schemeClr val="bg1"/>
+                </a:solidFill>
+              </a:rPr>
+              <a:t>Simple but </a:t>
+            </a:r>
+            <a:r>
+              <a:rPr lang="de-DE" b="1" dirty="0" err="1" smtClean="0">
+                <a:solidFill>
+                  <a:schemeClr val="bg1"/>
+                </a:solidFill>
+              </a:rPr>
+              <a:t>compact</a:t>
+            </a:r>
+            <a:r>
+              <a:rPr lang="de-DE" b="1" dirty="0" smtClean="0">
+                <a:solidFill>
+                  <a:schemeClr val="bg1"/>
+                </a:solidFill>
+              </a:rPr>
+              <a:t>: easy </a:t>
+            </a:r>
+            <a:r>
+              <a:rPr lang="de-DE" b="1" dirty="0" err="1" smtClean="0">
+                <a:solidFill>
+                  <a:schemeClr val="bg1"/>
+                </a:solidFill>
+              </a:rPr>
+              <a:t>to</a:t>
+            </a:r>
+            <a:r>
+              <a:rPr lang="de-DE" b="1" dirty="0" smtClean="0">
+                <a:solidFill>
+                  <a:schemeClr val="bg1"/>
+                </a:solidFill>
+              </a:rPr>
+              <a:t> </a:t>
+            </a:r>
+            <a:r>
+              <a:rPr lang="de-DE" b="1" dirty="0" err="1" smtClean="0">
+                <a:solidFill>
+                  <a:schemeClr val="bg1"/>
+                </a:solidFill>
+              </a:rPr>
+              <a:t>use</a:t>
+            </a:r>
+            <a:r>
+              <a:rPr lang="de-DE" b="1" dirty="0" smtClean="0">
+                <a:solidFill>
+                  <a:schemeClr val="bg1"/>
+                </a:solidFill>
+              </a:rPr>
+              <a:t> </a:t>
+            </a:r>
+            <a:r>
+              <a:rPr lang="de-DE" b="1" dirty="0" err="1" smtClean="0">
+                <a:solidFill>
+                  <a:schemeClr val="bg1"/>
+                </a:solidFill>
+              </a:rPr>
+              <a:t>and</a:t>
+            </a:r>
+            <a:r>
+              <a:rPr lang="de-DE" b="1" dirty="0" smtClean="0">
+                <a:solidFill>
+                  <a:schemeClr val="bg1"/>
+                </a:solidFill>
+              </a:rPr>
+              <a:t> </a:t>
+            </a:r>
+            <a:r>
+              <a:rPr lang="de-DE" b="1" dirty="0" err="1" smtClean="0">
+                <a:solidFill>
+                  <a:schemeClr val="bg1"/>
+                </a:solidFill>
+              </a:rPr>
+              <a:t>offering</a:t>
+            </a:r>
+            <a:r>
+              <a:rPr lang="de-DE" b="1" dirty="0" smtClean="0">
+                <a:solidFill>
+                  <a:schemeClr val="bg1"/>
+                </a:solidFill>
+              </a:rPr>
+              <a:t> all </a:t>
+            </a:r>
+            <a:r>
+              <a:rPr lang="de-DE" b="1" dirty="0" err="1" smtClean="0">
+                <a:solidFill>
+                  <a:schemeClr val="bg1"/>
+                </a:solidFill>
+              </a:rPr>
+              <a:t>basic</a:t>
+            </a:r>
+            <a:r>
+              <a:rPr lang="de-DE" b="1" dirty="0" smtClean="0">
+                <a:solidFill>
+                  <a:schemeClr val="bg1"/>
+                </a:solidFill>
+              </a:rPr>
+              <a:t> </a:t>
+            </a:r>
+            <a:r>
+              <a:rPr lang="de-DE" b="1" dirty="0" err="1" smtClean="0">
+                <a:solidFill>
+                  <a:schemeClr val="bg1"/>
+                </a:solidFill>
+              </a:rPr>
+              <a:t>functions</a:t>
+            </a:r>
+            <a:endParaRPr lang="de-DE" b="1" dirty="0" smtClean="0">
+              <a:solidFill>
+                <a:schemeClr val="bg1"/>
+              </a:solidFill>
+            </a:endParaRPr>
+          </a:p>
+          <a:p>
+            <a:pPr marL="742950" lvl="1" indent="-285750">
+              <a:buFont typeface="Wingdings" pitchFamily="2" charset="2"/>
+              <a:buChar char="§"/>
+            </a:pPr>
+            <a:endParaRPr lang="de-DE" dirty="0">
+              <a:solidFill>
+                <a:schemeClr val="bg1"/>
+              </a:solidFill>
+            </a:endParaRPr>
+          </a:p>
+          <a:p>
+            <a:pPr marL="285750" indent="-285750">
+              <a:buFont typeface="Wingdings" pitchFamily="2" charset="2"/>
+              <a:buChar char="q"/>
+            </a:pPr>
+            <a:r>
+              <a:rPr lang="de-DE" b="1" dirty="0" smtClean="0">
+                <a:solidFill>
+                  <a:schemeClr val="bg1"/>
+                </a:solidFill>
+              </a:rPr>
+              <a:t>Web </a:t>
+            </a:r>
+            <a:r>
+              <a:rPr lang="de-DE" b="1" dirty="0" err="1" smtClean="0">
+                <a:solidFill>
+                  <a:schemeClr val="bg1"/>
+                </a:solidFill>
+              </a:rPr>
+              <a:t>version</a:t>
+            </a:r>
+            <a:r>
+              <a:rPr lang="de-DE" b="1" dirty="0" smtClean="0">
+                <a:solidFill>
+                  <a:schemeClr val="bg1"/>
+                </a:solidFill>
+              </a:rPr>
+              <a:t> </a:t>
+            </a:r>
+            <a:r>
+              <a:rPr lang="de-DE" b="1" dirty="0" err="1" smtClean="0">
+                <a:solidFill>
+                  <a:schemeClr val="bg1"/>
+                </a:solidFill>
+              </a:rPr>
+              <a:t>allows</a:t>
+            </a:r>
+            <a:r>
+              <a:rPr lang="de-DE" b="1" dirty="0" smtClean="0">
+                <a:solidFill>
+                  <a:schemeClr val="bg1"/>
+                </a:solidFill>
+              </a:rPr>
+              <a:t> </a:t>
+            </a:r>
+            <a:r>
+              <a:rPr lang="de-DE" b="1" dirty="0" err="1" smtClean="0">
+                <a:solidFill>
+                  <a:schemeClr val="bg1"/>
+                </a:solidFill>
+              </a:rPr>
+              <a:t>the</a:t>
+            </a:r>
+            <a:r>
+              <a:rPr lang="de-DE" b="1" dirty="0" smtClean="0">
+                <a:solidFill>
+                  <a:schemeClr val="bg1"/>
+                </a:solidFill>
+              </a:rPr>
+              <a:t> </a:t>
+            </a:r>
+            <a:r>
+              <a:rPr lang="de-DE" b="1" dirty="0" err="1" smtClean="0">
+                <a:solidFill>
+                  <a:schemeClr val="bg1"/>
+                </a:solidFill>
+              </a:rPr>
+              <a:t>use</a:t>
+            </a:r>
+            <a:r>
+              <a:rPr lang="de-DE" b="1" dirty="0">
+                <a:solidFill>
+                  <a:schemeClr val="bg1"/>
+                </a:solidFill>
+              </a:rPr>
+              <a:t> </a:t>
+            </a:r>
+            <a:r>
+              <a:rPr lang="de-DE" b="1" dirty="0" err="1" smtClean="0">
+                <a:solidFill>
+                  <a:schemeClr val="bg1"/>
+                </a:solidFill>
+              </a:rPr>
+              <a:t>of</a:t>
+            </a:r>
+            <a:r>
+              <a:rPr lang="de-DE" b="1" dirty="0" smtClean="0">
+                <a:solidFill>
+                  <a:schemeClr val="bg1"/>
+                </a:solidFill>
+              </a:rPr>
+              <a:t> instant </a:t>
+            </a:r>
+            <a:r>
+              <a:rPr lang="de-DE" b="1" dirty="0" err="1" smtClean="0">
+                <a:solidFill>
+                  <a:schemeClr val="bg1"/>
+                </a:solidFill>
+              </a:rPr>
+              <a:t>messaging</a:t>
+            </a:r>
+            <a:r>
+              <a:rPr lang="de-DE" b="1" dirty="0" smtClean="0">
+                <a:solidFill>
+                  <a:schemeClr val="bg1"/>
+                </a:solidFill>
+              </a:rPr>
+              <a:t> on all </a:t>
+            </a:r>
+            <a:r>
+              <a:rPr lang="de-DE" b="1" dirty="0" err="1" smtClean="0">
+                <a:solidFill>
+                  <a:schemeClr val="bg1"/>
+                </a:solidFill>
+              </a:rPr>
+              <a:t>computers</a:t>
+            </a:r>
+            <a:r>
+              <a:rPr lang="de-DE" b="1" dirty="0" smtClean="0">
+                <a:solidFill>
+                  <a:schemeClr val="bg1"/>
+                </a:solidFill>
+              </a:rPr>
+              <a:t> </a:t>
+            </a:r>
+            <a:r>
+              <a:rPr lang="de-DE" b="1" dirty="0" err="1" smtClean="0">
+                <a:solidFill>
+                  <a:schemeClr val="bg1"/>
+                </a:solidFill>
+              </a:rPr>
+              <a:t>with</a:t>
+            </a:r>
+            <a:r>
+              <a:rPr lang="de-DE" b="1" dirty="0" smtClean="0">
+                <a:solidFill>
+                  <a:schemeClr val="bg1"/>
+                </a:solidFill>
+              </a:rPr>
+              <a:t> </a:t>
+            </a:r>
+            <a:r>
+              <a:rPr lang="de-DE" b="1" dirty="0" err="1" smtClean="0">
+                <a:solidFill>
+                  <a:schemeClr val="bg1"/>
+                </a:solidFill>
+              </a:rPr>
+              <a:t>internet</a:t>
+            </a:r>
+            <a:r>
+              <a:rPr lang="de-DE" b="1" dirty="0" smtClean="0">
+                <a:solidFill>
+                  <a:schemeClr val="bg1"/>
+                </a:solidFill>
+              </a:rPr>
+              <a:t> </a:t>
+            </a:r>
+            <a:r>
+              <a:rPr lang="de-DE" b="1" dirty="0" err="1" smtClean="0">
+                <a:solidFill>
+                  <a:schemeClr val="bg1"/>
+                </a:solidFill>
+              </a:rPr>
+              <a:t>access</a:t>
+            </a:r>
+            <a:endParaRPr lang="de-DE" b="1" dirty="0" smtClean="0">
+              <a:solidFill>
+                <a:schemeClr val="bg1"/>
+              </a:solidFill>
+            </a:endParaRPr>
+          </a:p>
+          <a:p>
+            <a:pPr marL="285750" indent="-285750">
+              <a:buFont typeface="Wingdings" pitchFamily="2" charset="2"/>
+              <a:buChar char="q"/>
+            </a:pPr>
+            <a:endParaRPr lang="de-DE" b="1" dirty="0">
+              <a:solidFill>
+                <a:schemeClr val="bg1"/>
+              </a:solidFill>
+            </a:endParaRPr>
+          </a:p>
+          <a:p>
+            <a:pPr marL="285750" indent="-285750">
+              <a:buFont typeface="Wingdings" pitchFamily="2" charset="2"/>
+              <a:buChar char="q"/>
+            </a:pPr>
+            <a:r>
+              <a:rPr lang="de-DE" b="1" dirty="0" smtClean="0">
+                <a:solidFill>
+                  <a:schemeClr val="bg1"/>
+                </a:solidFill>
+              </a:rPr>
+              <a:t>Source </a:t>
+            </a:r>
+            <a:r>
+              <a:rPr lang="de-DE" b="1" dirty="0" err="1" smtClean="0">
+                <a:solidFill>
+                  <a:schemeClr val="bg1"/>
+                </a:solidFill>
+              </a:rPr>
+              <a:t>code</a:t>
+            </a:r>
+            <a:r>
+              <a:rPr lang="de-DE" b="1" dirty="0" smtClean="0">
+                <a:solidFill>
+                  <a:schemeClr val="bg1"/>
+                </a:solidFill>
+              </a:rPr>
+              <a:t> </a:t>
+            </a:r>
+            <a:r>
+              <a:rPr lang="de-DE" b="1" dirty="0" err="1" smtClean="0">
+                <a:solidFill>
+                  <a:schemeClr val="bg1"/>
+                </a:solidFill>
+              </a:rPr>
+              <a:t>can</a:t>
+            </a:r>
+            <a:r>
+              <a:rPr lang="de-DE" b="1" dirty="0" smtClean="0">
+                <a:solidFill>
+                  <a:schemeClr val="bg1"/>
+                </a:solidFill>
+              </a:rPr>
+              <a:t> </a:t>
+            </a:r>
+            <a:r>
+              <a:rPr lang="de-DE" b="1" dirty="0" err="1" smtClean="0">
+                <a:solidFill>
+                  <a:schemeClr val="bg1"/>
+                </a:solidFill>
+              </a:rPr>
+              <a:t>be</a:t>
+            </a:r>
+            <a:r>
+              <a:rPr lang="de-DE" b="1" dirty="0" smtClean="0">
+                <a:solidFill>
+                  <a:schemeClr val="bg1"/>
+                </a:solidFill>
+              </a:rPr>
+              <a:t> </a:t>
+            </a:r>
+            <a:r>
+              <a:rPr lang="de-DE" b="1" dirty="0" err="1" smtClean="0">
+                <a:solidFill>
+                  <a:schemeClr val="bg1"/>
+                </a:solidFill>
+              </a:rPr>
+              <a:t>made</a:t>
+            </a:r>
+            <a:r>
+              <a:rPr lang="de-DE" b="1" dirty="0" smtClean="0">
+                <a:solidFill>
+                  <a:schemeClr val="bg1"/>
+                </a:solidFill>
+              </a:rPr>
+              <a:t> </a:t>
+            </a:r>
+            <a:r>
+              <a:rPr lang="de-DE" b="1" dirty="0" err="1" smtClean="0">
+                <a:solidFill>
+                  <a:schemeClr val="bg1"/>
+                </a:solidFill>
+              </a:rPr>
+              <a:t>available</a:t>
+            </a:r>
+            <a:r>
+              <a:rPr lang="de-DE" b="1" dirty="0" smtClean="0">
+                <a:solidFill>
+                  <a:schemeClr val="bg1"/>
+                </a:solidFill>
+              </a:rPr>
+              <a:t> </a:t>
+            </a:r>
+            <a:r>
+              <a:rPr lang="de-DE" b="1" dirty="0" err="1" smtClean="0">
+                <a:solidFill>
+                  <a:schemeClr val="bg1"/>
+                </a:solidFill>
+              </a:rPr>
+              <a:t>for</a:t>
+            </a:r>
+            <a:r>
+              <a:rPr lang="de-DE" b="1" dirty="0" smtClean="0">
+                <a:solidFill>
+                  <a:schemeClr val="bg1"/>
+                </a:solidFill>
+              </a:rPr>
+              <a:t> </a:t>
+            </a:r>
+            <a:r>
+              <a:rPr lang="de-DE" b="1" dirty="0" err="1" smtClean="0">
+                <a:solidFill>
+                  <a:schemeClr val="bg1"/>
+                </a:solidFill>
+              </a:rPr>
+              <a:t>further</a:t>
+            </a:r>
+            <a:r>
+              <a:rPr lang="de-DE" b="1" dirty="0" smtClean="0">
+                <a:solidFill>
+                  <a:schemeClr val="bg1"/>
+                </a:solidFill>
+              </a:rPr>
+              <a:t> </a:t>
+            </a:r>
+            <a:r>
+              <a:rPr lang="de-DE" b="1" dirty="0" err="1" smtClean="0">
+                <a:solidFill>
+                  <a:schemeClr val="bg1"/>
+                </a:solidFill>
+              </a:rPr>
+              <a:t>study</a:t>
+            </a:r>
+            <a:endParaRPr lang="de-DE" b="1" dirty="0" smtClean="0">
+              <a:solidFill>
+                <a:schemeClr val="bg1"/>
+              </a:solidFill>
+              <a:sym typeface="Wingdings" pitchFamily="2" charset="2"/>
+            </a:endParaRPr>
+          </a:p>
+        </p:txBody>
+      </p:sp>
+      <p:sp>
+        <p:nvSpPr>
+          <p:cNvPr id="9" name="Rounded Rectangle 8"/>
+          <p:cNvSpPr/>
+          <p:nvPr/>
+        </p:nvSpPr>
+        <p:spPr>
+          <a:xfrm>
+            <a:off x="4775808" y="1541494"/>
+            <a:ext cx="3672408" cy="4392488"/>
+          </a:xfrm>
+          <a:prstGeom prst="roundRect">
+            <a:avLst/>
+          </a:prstGeom>
+          <a:solidFill>
+            <a:schemeClr val="bg2">
+              <a:lumMod val="75000"/>
+            </a:schemeClr>
+          </a:solidFill>
+          <a:ln>
+            <a:noFill/>
+          </a:ln>
+        </p:spPr>
+        <p:style>
+          <a:lnRef idx="2">
+            <a:schemeClr val="accent1">
+              <a:shade val="50000"/>
+            </a:schemeClr>
+          </a:lnRef>
+          <a:fillRef idx="1">
+            <a:schemeClr val="accent1"/>
+          </a:fillRef>
+          <a:effectRef idx="0">
+            <a:schemeClr val="accent1"/>
+          </a:effectRef>
+          <a:fontRef idx="minor">
+            <a:schemeClr val="lt1"/>
+          </a:fontRef>
+        </p:style>
+        <p:txBody>
+          <a:bodyPr rtlCol="0" anchor="ctr"/>
+          <a:lstStyle/>
+          <a:p>
+            <a:pPr algn="ctr"/>
+            <a:endParaRPr lang="en-US" dirty="0"/>
+          </a:p>
+        </p:txBody>
+      </p:sp>
+      <mc:AlternateContent xmlns:mc="http://schemas.openxmlformats.org/markup-compatibility/2006">
+        <mc:Choice xmlns:a14="http://schemas.microsoft.com/office/drawing/2010/main" Requires="a14">
+          <p:sp>
+            <p:nvSpPr>
+              <p:cNvPr id="10" name="Oval 9"/>
+              <p:cNvSpPr/>
+              <p:nvPr/>
+            </p:nvSpPr>
+            <p:spPr>
+              <a:xfrm>
+                <a:off x="6323980" y="1628800"/>
+                <a:ext cx="576064" cy="576064"/>
+              </a:xfrm>
+              <a:prstGeom prst="ellipse">
+                <a:avLst/>
+              </a:prstGeom>
+              <a:noFill/>
+            </p:spPr>
+            <p:style>
+              <a:lnRef idx="2">
+                <a:schemeClr val="accent1">
+                  <a:shade val="50000"/>
+                </a:schemeClr>
+              </a:lnRef>
+              <a:fillRef idx="1">
+                <a:schemeClr val="accent1"/>
+              </a:fillRef>
+              <a:effectRef idx="0">
+                <a:schemeClr val="accent1"/>
+              </a:effectRef>
+              <a:fontRef idx="minor">
+                <a:schemeClr val="lt1"/>
+              </a:fontRef>
+            </p:style>
+            <p:txBody>
+              <a:bodyPr rtlCol="0" anchor="ctr"/>
+              <a:lstStyle/>
+              <a:p>
+                <a:pPr algn="ctr"/>
+                <a14:m>
+                  <m:oMathPara xmlns:m="http://schemas.openxmlformats.org/officeDocument/2006/math">
+                    <m:oMathParaPr>
+                      <m:jc m:val="centerGroup"/>
+                    </m:oMathParaPr>
+                    <m:oMath xmlns:m="http://schemas.openxmlformats.org/officeDocument/2006/math">
+                      <m:r>
+                        <a:rPr lang="en-US" i="1" smtClean="0">
+                          <a:solidFill>
+                            <a:schemeClr val="tx2"/>
+                          </a:solidFill>
+                          <a:latin typeface="Cambria Math"/>
+                          <a:ea typeface="Cambria Math"/>
+                        </a:rPr>
+                        <m:t>−</m:t>
+                      </m:r>
+                    </m:oMath>
+                  </m:oMathPara>
+                </a14:m>
+                <a:endParaRPr lang="en-US" dirty="0">
+                  <a:solidFill>
+                    <a:schemeClr val="tx2"/>
+                  </a:solidFill>
+                </a:endParaRPr>
+              </a:p>
+            </p:txBody>
+          </p:sp>
+        </mc:Choice>
+        <mc:Fallback>
+          <p:sp>
+            <p:nvSpPr>
+              <p:cNvPr id="10" name="Oval 9"/>
+              <p:cNvSpPr>
+                <a:spLocks noRot="1" noChangeAspect="1" noMove="1" noResize="1" noEditPoints="1" noAdjustHandles="1" noChangeArrowheads="1" noChangeShapeType="1" noTextEdit="1"/>
+              </p:cNvSpPr>
+              <p:nvPr/>
+            </p:nvSpPr>
+            <p:spPr>
+              <a:xfrm>
+                <a:off x="6323980" y="1628800"/>
+                <a:ext cx="576064" cy="576064"/>
+              </a:xfrm>
+              <a:prstGeom prst="ellipse">
+                <a:avLst/>
+              </a:prstGeom>
+              <a:blipFill rotWithShape="1">
+                <a:blip r:embed="rId2"/>
+                <a:stretch>
+                  <a:fillRect/>
+                </a:stretch>
+              </a:blipFill>
+            </p:spPr>
+            <p:txBody>
+              <a:bodyPr/>
+              <a:lstStyle/>
+              <a:p>
+                <a:r>
+                  <a:rPr lang="en-US">
+                    <a:noFill/>
+                  </a:rPr>
+                  <a:t> </a:t>
+                </a:r>
+              </a:p>
+            </p:txBody>
+          </p:sp>
+        </mc:Fallback>
+      </mc:AlternateContent>
+      <p:sp>
+        <p:nvSpPr>
+          <p:cNvPr id="11" name="TextBox 10"/>
+          <p:cNvSpPr txBox="1"/>
+          <p:nvPr/>
+        </p:nvSpPr>
+        <p:spPr>
+          <a:xfrm>
+            <a:off x="4775808" y="2346451"/>
+            <a:ext cx="3540608" cy="2308324"/>
+          </a:xfrm>
+          <a:prstGeom prst="rect">
+            <a:avLst/>
+          </a:prstGeom>
+          <a:noFill/>
+        </p:spPr>
+        <p:txBody>
+          <a:bodyPr wrap="square" rtlCol="0">
+            <a:spAutoFit/>
+          </a:bodyPr>
+          <a:lstStyle/>
+          <a:p>
+            <a:pPr marL="285750" indent="-285750">
+              <a:buFont typeface="Wingdings" pitchFamily="2" charset="2"/>
+              <a:buChar char="q"/>
+            </a:pPr>
+            <a:r>
+              <a:rPr lang="de-DE" b="1" dirty="0" smtClean="0">
+                <a:solidFill>
+                  <a:schemeClr val="tx2"/>
+                </a:solidFill>
+              </a:rPr>
+              <a:t>Lack </a:t>
+            </a:r>
+            <a:r>
+              <a:rPr lang="de-DE" b="1" dirty="0" err="1" smtClean="0">
+                <a:solidFill>
+                  <a:schemeClr val="tx2"/>
+                </a:solidFill>
+              </a:rPr>
+              <a:t>of</a:t>
+            </a:r>
+            <a:r>
+              <a:rPr lang="de-DE" b="1" dirty="0" smtClean="0">
+                <a:solidFill>
+                  <a:schemeClr val="tx2"/>
+                </a:solidFill>
+              </a:rPr>
+              <a:t> </a:t>
+            </a:r>
+            <a:r>
+              <a:rPr lang="de-DE" b="1" dirty="0" err="1" smtClean="0">
+                <a:solidFill>
+                  <a:schemeClr val="tx2"/>
+                </a:solidFill>
+              </a:rPr>
+              <a:t>many</a:t>
+            </a:r>
+            <a:r>
+              <a:rPr lang="de-DE" b="1" dirty="0">
+                <a:solidFill>
+                  <a:schemeClr val="tx2"/>
+                </a:solidFill>
+              </a:rPr>
+              <a:t> </a:t>
+            </a:r>
+            <a:r>
+              <a:rPr lang="de-DE" b="1" dirty="0" smtClean="0">
+                <a:solidFill>
+                  <a:schemeClr val="tx2"/>
+                </a:solidFill>
+              </a:rPr>
+              <a:t>additional </a:t>
+            </a:r>
+            <a:r>
+              <a:rPr lang="en-US" b="1" dirty="0" smtClean="0">
+                <a:solidFill>
+                  <a:schemeClr val="tx2"/>
+                </a:solidFill>
+              </a:rPr>
+              <a:t>“nice” </a:t>
+            </a:r>
+            <a:r>
+              <a:rPr lang="de-DE" b="1" dirty="0" err="1" smtClean="0">
+                <a:solidFill>
+                  <a:schemeClr val="tx2"/>
+                </a:solidFill>
+              </a:rPr>
+              <a:t>features</a:t>
+            </a:r>
+            <a:r>
+              <a:rPr lang="de-DE" b="1" dirty="0" smtClean="0">
+                <a:solidFill>
+                  <a:schemeClr val="tx2"/>
+                </a:solidFill>
+              </a:rPr>
+              <a:t> in </a:t>
+            </a:r>
+            <a:r>
+              <a:rPr lang="de-DE" b="1" dirty="0" err="1" smtClean="0">
+                <a:solidFill>
+                  <a:schemeClr val="tx2"/>
+                </a:solidFill>
+              </a:rPr>
+              <a:t>comparison</a:t>
+            </a:r>
+            <a:r>
+              <a:rPr lang="de-DE" b="1" dirty="0" smtClean="0">
+                <a:solidFill>
+                  <a:schemeClr val="tx2"/>
+                </a:solidFill>
+              </a:rPr>
+              <a:t> </a:t>
+            </a:r>
+            <a:r>
+              <a:rPr lang="de-DE" b="1" dirty="0" err="1" smtClean="0">
+                <a:solidFill>
+                  <a:schemeClr val="tx2"/>
+                </a:solidFill>
+              </a:rPr>
+              <a:t>with</a:t>
+            </a:r>
+            <a:r>
+              <a:rPr lang="de-DE" b="1" dirty="0" smtClean="0">
+                <a:solidFill>
+                  <a:schemeClr val="tx2"/>
+                </a:solidFill>
+              </a:rPr>
+              <a:t> </a:t>
+            </a:r>
+            <a:r>
+              <a:rPr lang="de-DE" b="1" dirty="0" err="1" smtClean="0">
+                <a:solidFill>
+                  <a:schemeClr val="tx2"/>
+                </a:solidFill>
+              </a:rPr>
+              <a:t>the</a:t>
+            </a:r>
+            <a:r>
+              <a:rPr lang="de-DE" b="1" dirty="0" smtClean="0">
+                <a:solidFill>
+                  <a:schemeClr val="tx2"/>
+                </a:solidFill>
+              </a:rPr>
+              <a:t> dominant instant </a:t>
+            </a:r>
+            <a:r>
+              <a:rPr lang="de-DE" b="1" dirty="0" err="1" smtClean="0">
+                <a:solidFill>
+                  <a:schemeClr val="tx2"/>
+                </a:solidFill>
+              </a:rPr>
+              <a:t>messaging</a:t>
+            </a:r>
+            <a:r>
+              <a:rPr lang="de-DE" b="1" dirty="0" smtClean="0">
+                <a:solidFill>
+                  <a:schemeClr val="tx2"/>
+                </a:solidFill>
+              </a:rPr>
+              <a:t> </a:t>
+            </a:r>
+            <a:r>
+              <a:rPr lang="de-DE" b="1" dirty="0" err="1" smtClean="0">
+                <a:solidFill>
+                  <a:schemeClr val="tx2"/>
+                </a:solidFill>
+              </a:rPr>
+              <a:t>apps</a:t>
+            </a:r>
+            <a:endParaRPr lang="de-DE" b="1" dirty="0" smtClean="0">
+              <a:solidFill>
+                <a:schemeClr val="tx2"/>
+              </a:solidFill>
+            </a:endParaRPr>
+          </a:p>
+          <a:p>
+            <a:pPr marL="285750" indent="-285750">
+              <a:buFont typeface="Wingdings" pitchFamily="2" charset="2"/>
+              <a:buChar char="q"/>
+            </a:pPr>
+            <a:endParaRPr lang="de-DE" b="1" dirty="0" smtClean="0">
+              <a:solidFill>
+                <a:schemeClr val="tx2"/>
+              </a:solidFill>
+            </a:endParaRPr>
+          </a:p>
+          <a:p>
+            <a:pPr marL="285750" lvl="1" indent="-285750">
+              <a:buFont typeface="Wingdings" pitchFamily="2" charset="2"/>
+              <a:buChar char="q"/>
+            </a:pPr>
+            <a:r>
+              <a:rPr lang="de-DE" b="1" dirty="0" err="1" smtClean="0">
+                <a:solidFill>
+                  <a:schemeClr val="tx2"/>
+                </a:solidFill>
+                <a:sym typeface="Wingdings" pitchFamily="2" charset="2"/>
+              </a:rPr>
+              <a:t>Comparatively</a:t>
+            </a:r>
+            <a:r>
+              <a:rPr lang="de-DE" b="1" dirty="0" smtClean="0">
+                <a:solidFill>
+                  <a:schemeClr val="tx2"/>
+                </a:solidFill>
+                <a:sym typeface="Wingdings" pitchFamily="2" charset="2"/>
+              </a:rPr>
+              <a:t> </a:t>
+            </a:r>
+            <a:r>
+              <a:rPr lang="de-DE" b="1" dirty="0" err="1" smtClean="0">
+                <a:solidFill>
+                  <a:schemeClr val="tx2"/>
+                </a:solidFill>
+                <a:sym typeface="Wingdings" pitchFamily="2" charset="2"/>
+              </a:rPr>
+              <a:t>many</a:t>
+            </a:r>
+            <a:r>
+              <a:rPr lang="de-DE" b="1" dirty="0" smtClean="0">
+                <a:solidFill>
+                  <a:schemeClr val="tx2"/>
+                </a:solidFill>
+                <a:sym typeface="Wingdings" pitchFamily="2" charset="2"/>
+              </a:rPr>
+              <a:t> </a:t>
+            </a:r>
+            <a:r>
+              <a:rPr lang="de-DE" b="1" dirty="0" err="1" smtClean="0">
+                <a:solidFill>
+                  <a:schemeClr val="tx2"/>
+                </a:solidFill>
+                <a:sym typeface="Wingdings" pitchFamily="2" charset="2"/>
+              </a:rPr>
+              <a:t>bugs</a:t>
+            </a:r>
+            <a:r>
+              <a:rPr lang="de-DE" b="1" dirty="0" smtClean="0">
+                <a:solidFill>
+                  <a:schemeClr val="tx2"/>
+                </a:solidFill>
+                <a:sym typeface="Wingdings" pitchFamily="2" charset="2"/>
+              </a:rPr>
+              <a:t> </a:t>
+            </a:r>
+            <a:r>
+              <a:rPr lang="de-DE" b="1" dirty="0" err="1" smtClean="0">
+                <a:solidFill>
+                  <a:schemeClr val="tx2"/>
+                </a:solidFill>
+                <a:sym typeface="Wingdings" pitchFamily="2" charset="2"/>
+              </a:rPr>
+              <a:t>as</a:t>
+            </a:r>
+            <a:r>
+              <a:rPr lang="de-DE" b="1" dirty="0" smtClean="0">
+                <a:solidFill>
+                  <a:schemeClr val="tx2"/>
+                </a:solidFill>
+                <a:sym typeface="Wingdings" pitchFamily="2" charset="2"/>
+              </a:rPr>
+              <a:t> </a:t>
+            </a:r>
+            <a:r>
+              <a:rPr lang="de-DE" b="1" dirty="0" err="1" smtClean="0">
+                <a:solidFill>
+                  <a:schemeClr val="tx2"/>
+                </a:solidFill>
+                <a:sym typeface="Wingdings" pitchFamily="2" charset="2"/>
+              </a:rPr>
+              <a:t>the</a:t>
+            </a:r>
+            <a:r>
+              <a:rPr lang="de-DE" b="1" dirty="0" smtClean="0">
+                <a:solidFill>
+                  <a:schemeClr val="tx2"/>
+                </a:solidFill>
+                <a:sym typeface="Wingdings" pitchFamily="2" charset="2"/>
+              </a:rPr>
+              <a:t> </a:t>
+            </a:r>
+            <a:r>
+              <a:rPr lang="de-DE" b="1" dirty="0" err="1" smtClean="0">
+                <a:solidFill>
+                  <a:schemeClr val="tx2"/>
+                </a:solidFill>
+                <a:sym typeface="Wingdings" pitchFamily="2" charset="2"/>
+              </a:rPr>
+              <a:t>service</a:t>
+            </a:r>
+            <a:r>
+              <a:rPr lang="de-DE" b="1" dirty="0" smtClean="0">
+                <a:solidFill>
+                  <a:schemeClr val="tx2"/>
+                </a:solidFill>
+                <a:sym typeface="Wingdings" pitchFamily="2" charset="2"/>
+              </a:rPr>
+              <a:t> </a:t>
+            </a:r>
+            <a:r>
+              <a:rPr lang="de-DE" b="1" dirty="0" err="1" smtClean="0">
+                <a:solidFill>
+                  <a:schemeClr val="tx2"/>
+                </a:solidFill>
+                <a:sym typeface="Wingdings" pitchFamily="2" charset="2"/>
+              </a:rPr>
+              <a:t>is</a:t>
+            </a:r>
+            <a:r>
+              <a:rPr lang="de-DE" b="1" dirty="0" smtClean="0">
+                <a:solidFill>
+                  <a:schemeClr val="tx2"/>
+                </a:solidFill>
+                <a:sym typeface="Wingdings" pitchFamily="2" charset="2"/>
+              </a:rPr>
+              <a:t> still in </a:t>
+            </a:r>
+            <a:r>
+              <a:rPr lang="de-DE" b="1" dirty="0" err="1" smtClean="0">
+                <a:solidFill>
+                  <a:schemeClr val="tx2"/>
+                </a:solidFill>
+                <a:sym typeface="Wingdings" pitchFamily="2" charset="2"/>
+              </a:rPr>
+              <a:t>the</a:t>
+            </a:r>
+            <a:r>
+              <a:rPr lang="de-DE" b="1" dirty="0" smtClean="0">
+                <a:solidFill>
+                  <a:schemeClr val="tx2"/>
+                </a:solidFill>
+                <a:sym typeface="Wingdings" pitchFamily="2" charset="2"/>
+              </a:rPr>
+              <a:t> </a:t>
+            </a:r>
+            <a:r>
+              <a:rPr lang="de-DE" b="1" dirty="0" err="1" smtClean="0">
+                <a:solidFill>
+                  <a:schemeClr val="tx2"/>
+                </a:solidFill>
+                <a:sym typeface="Wingdings" pitchFamily="2" charset="2"/>
+              </a:rPr>
+              <a:t>development</a:t>
+            </a:r>
+            <a:r>
+              <a:rPr lang="de-DE" b="1" dirty="0" smtClean="0">
+                <a:solidFill>
+                  <a:schemeClr val="tx2"/>
+                </a:solidFill>
+                <a:sym typeface="Wingdings" pitchFamily="2" charset="2"/>
+              </a:rPr>
+              <a:t> </a:t>
+            </a:r>
+            <a:r>
+              <a:rPr lang="de-DE" b="1" dirty="0" err="1" smtClean="0">
+                <a:solidFill>
+                  <a:schemeClr val="tx2"/>
+                </a:solidFill>
+                <a:sym typeface="Wingdings" pitchFamily="2" charset="2"/>
+              </a:rPr>
+              <a:t>phase</a:t>
+            </a:r>
+            <a:endParaRPr lang="de-DE" b="1" dirty="0" smtClean="0">
+              <a:solidFill>
+                <a:schemeClr val="tx2"/>
+              </a:solidFill>
+              <a:sym typeface="Wingdings" pitchFamily="2" charset="2"/>
+            </a:endParaRPr>
+          </a:p>
+        </p:txBody>
+      </p:sp>
+    </p:spTree>
+    <p:extLst>
+      <p:ext uri="{BB962C8B-B14F-4D97-AF65-F5344CB8AC3E}">
+        <p14:creationId xmlns:p14="http://schemas.microsoft.com/office/powerpoint/2010/main" val="3576391614"/>
+      </p:ext>
+    </p:extLst>
+  </p:cSld>
+  <p:clrMapOvr>
+    <a:masterClrMapping/>
+  </p:clrMapOvr>
+  <p:timing>
+    <p:tnLst>
+      <p:par>
+        <p:cTn id="1" dur="indefinite" restart="never" nodeType="tmRoot"/>
+      </p:par>
+    </p:tnLst>
+  </p:timing>
+</p:sld>
+</file>
+
+<file path=ppt/slides/slide5.xml><?xml version="1.0" encoding="utf-8"?>
+<p:sld xmlns:a="http://schemas.openxmlformats.org/drawingml/2006/main" xmlns:r="http://schemas.openxmlformats.org/officeDocument/2006/relationships" xmlns:p="http://schemas.openxmlformats.org/presentationml/2006/main">
+  <p:cSld>
+    <p:spTree>
+      <p:nvGrpSpPr>
+        <p:cNvPr id="1" name=""/>
+        <p:cNvGrpSpPr/>
+        <p:nvPr/>
+      </p:nvGrpSpPr>
+      <p:grpSpPr>
+        <a:xfrm>
+          <a:off x="0" y="0"/>
+          <a:ext cx="0" cy="0"/>
+          <a:chOff x="0" y="0"/>
+          <a:chExt cx="0" cy="0"/>
+        </a:xfrm>
+      </p:grpSpPr>
+      <p:sp>
+        <p:nvSpPr>
+          <p:cNvPr id="2" name="Title 1"/>
+          <p:cNvSpPr>
+            <a:spLocks noGrp="1"/>
+          </p:cNvSpPr>
+          <p:nvPr>
+            <p:ph type="title"/>
+          </p:nvPr>
+        </p:nvSpPr>
+        <p:spPr/>
+        <p:txBody>
+          <a:bodyPr/>
+          <a:lstStyle/>
+          <a:p>
+            <a:r>
+              <a:rPr lang="de-DE" sz="2800" dirty="0" smtClean="0"/>
+              <a:t>Demo</a:t>
+            </a:r>
+            <a:endParaRPr lang="en-US" dirty="0"/>
+          </a:p>
+        </p:txBody>
+      </p:sp>
+      <p:sp>
+        <p:nvSpPr>
+          <p:cNvPr id="3" name="Content Placeholder 2"/>
+          <p:cNvSpPr>
+            <a:spLocks noGrp="1"/>
+          </p:cNvSpPr>
+          <p:nvPr>
+            <p:ph idx="1"/>
+          </p:nvPr>
+        </p:nvSpPr>
+        <p:spPr/>
+        <p:txBody>
+          <a:bodyPr/>
+          <a:lstStyle/>
+          <a:p>
+            <a:endParaRPr lang="en-US" dirty="0"/>
+          </a:p>
+        </p:txBody>
+      </p:sp>
+      <p:sp>
+        <p:nvSpPr>
+          <p:cNvPr id="4" name="Slide Number Placeholder 3"/>
+          <p:cNvSpPr>
+            <a:spLocks noGrp="1"/>
+          </p:cNvSpPr>
+          <p:nvPr>
+            <p:ph type="sldNum" sz="quarter" idx="12"/>
+          </p:nvPr>
+        </p:nvSpPr>
+        <p:spPr/>
+        <p:txBody>
+          <a:bodyPr/>
+          <a:lstStyle/>
+          <a:p>
+            <a:fld id="{E6C8C3D6-4075-4EE4-8CC0-D76389F4D181}" type="slidenum">
+              <a:rPr lang="en-US" smtClean="0"/>
+              <a:pPr/>
+              <a:t>5</a:t>
+            </a:fld>
+            <a:endParaRPr lang="en-US" dirty="0"/>
+          </a:p>
+        </p:txBody>
+      </p:sp>
+    </p:spTree>
+    <p:extLst>
+      <p:ext uri="{BB962C8B-B14F-4D97-AF65-F5344CB8AC3E}">
+        <p14:creationId xmlns:p14="http://schemas.microsoft.com/office/powerpoint/2010/main" val="2420229327"/>
+      </p:ext>
+    </p:extLst>
+  </p:cSld>
+  <p:clrMapOvr>
+    <a:masterClrMapping/>
+  </p:clrMapOvr>
+  <p:timing>
+    <p:tnLst>
+      <p:par>
+        <p:cTn id="1" dur="indefinite" restart="never" nodeType="tmRoot"/>
+      </p:par>
+    </p:tnLst>
+  </p:timing>
+</p:sld>
+</file>
+
+<file path=ppt/slides/slide6.xml><?xml version="1.0" encoding="utf-8"?>
+<p:sld xmlns:a="http://schemas.openxmlformats.org/drawingml/2006/main" xmlns:r="http://schemas.openxmlformats.org/officeDocument/2006/relationships" xmlns:p="http://schemas.openxmlformats.org/presentationml/2006/main">
+  <p:cSld>
+    <p:spTree>
+      <p:nvGrpSpPr>
+        <p:cNvPr id="1" name=""/>
+        <p:cNvGrpSpPr/>
+        <p:nvPr/>
+      </p:nvGrpSpPr>
+      <p:grpSpPr>
+        <a:xfrm>
+          <a:off x="0" y="0"/>
+          <a:ext cx="0" cy="0"/>
+          <a:chOff x="0" y="0"/>
+          <a:chExt cx="0" cy="0"/>
+        </a:xfrm>
+      </p:grpSpPr>
+      <p:sp>
+        <p:nvSpPr>
+          <p:cNvPr id="2" name="Title 1"/>
+          <p:cNvSpPr>
+            <a:spLocks noGrp="1"/>
+          </p:cNvSpPr>
+          <p:nvPr>
+            <p:ph type="title"/>
+          </p:nvPr>
+        </p:nvSpPr>
+        <p:spPr/>
+        <p:txBody>
+          <a:bodyPr/>
+          <a:lstStyle/>
+          <a:p>
+            <a:r>
               <a:rPr lang="de-DE" sz="2800" dirty="0"/>
               <a:t>Further </a:t>
             </a:r>
@@ -13260,7 +14583,7 @@
             <a:fld id="{E6C8C3D6-4075-4EE4-8CC0-D76389F4D181}" type="slidenum">
               <a:rPr lang="en-US" smtClean="0"/>
               <a:pPr/>
-              <a:t>4</a:t>
+              <a:t>6</a:t>
             </a:fld>
             <a:endParaRPr lang="en-US" dirty="0"/>
           </a:p>
